--- a/features/steps/test_files/sld-access-shapes.pptx
+++ b/features/steps/test_files/sld-access-shapes.pptx
@@ -108,7 +108,7 @@
 </file>
 
 <file path=ppt/slideLayouts/slideLayout1.xml><?xml version="1.0" encoding="utf-8"?>
-<p:sldLayout xmlns:a="http://schemas.openxmlformats.org/drawingml/2006/main" xmlns:r="http://schemas.openxmlformats.org/officeDocument/2006/relationships" xmlns:p="http://schemas.openxmlformats.org/presentationml/2006/main" type="blank" preserve="1">
+<p:sldLayout xmlns:a="http://schemas.openxmlformats.org/drawingml/2006/main" xmlns:r="http://schemas.openxmlformats.org/officeDocument/2006/relationships" xmlns:p="http://schemas.openxmlformats.org/presentationml/2006/main" preserve="1" userDrawn="1">
   <p:cSld name="Blank">
     <p:spTree>
       <p:nvGrpSpPr>
@@ -124,6 +124,86 @@
           <a:chExt cx="0" cy="0"/>
         </a:xfrm>
       </p:grpSpPr>
+      <p:sp>
+        <p:nvSpPr>
+          <p:cNvPr id="2" name="Title 1"/>
+          <p:cNvSpPr>
+            <a:spLocks noGrp="1"/>
+          </p:cNvSpPr>
+          <p:nvPr>
+            <p:ph type="title"/>
+          </p:nvPr>
+        </p:nvSpPr>
+        <p:spPr/>
+        <p:txBody>
+          <a:bodyPr/>
+          <a:lstStyle/>
+          <a:p>
+            <a:r>
+              <a:rPr lang="en-US" smtClean="0"/>
+              <a:t>Click to edit Master title style</a:t>
+            </a:r>
+            <a:endParaRPr lang="en-US"/>
+          </a:p>
+        </p:txBody>
+      </p:sp>
+      <p:sp>
+        <p:nvSpPr>
+          <p:cNvPr id="4" name="Content Placeholder 3"/>
+          <p:cNvSpPr>
+            <a:spLocks noGrp="1"/>
+          </p:cNvSpPr>
+          <p:nvPr>
+            <p:ph sz="quarter" idx="10"/>
+          </p:nvPr>
+        </p:nvSpPr>
+        <p:spPr>
+          <a:xfrm>
+            <a:off x="468313" y="1628775"/>
+            <a:ext cx="8207375" cy="4824413"/>
+          </a:xfrm>
+        </p:spPr>
+        <p:txBody>
+          <a:bodyPr/>
+          <a:lstStyle/>
+          <a:p>
+            <a:pPr lvl="0"/>
+            <a:r>
+              <a:rPr lang="en-US" smtClean="0"/>
+              <a:t>Click to edit Master text styles</a:t>
+            </a:r>
+          </a:p>
+          <a:p>
+            <a:pPr lvl="1"/>
+            <a:r>
+              <a:rPr lang="en-US" smtClean="0"/>
+              <a:t>Second level</a:t>
+            </a:r>
+          </a:p>
+          <a:p>
+            <a:pPr lvl="2"/>
+            <a:r>
+              <a:rPr lang="en-US" smtClean="0"/>
+              <a:t>Third level</a:t>
+            </a:r>
+          </a:p>
+          <a:p>
+            <a:pPr lvl="3"/>
+            <a:r>
+              <a:rPr lang="en-US" smtClean="0"/>
+              <a:t>Fourth level</a:t>
+            </a:r>
+          </a:p>
+          <a:p>
+            <a:pPr lvl="4"/>
+            <a:r>
+              <a:rPr lang="en-US" smtClean="0"/>
+              <a:t>Fifth level</a:t>
+            </a:r>
+            <a:endParaRPr lang="en-US"/>
+          </a:p>
+        </p:txBody>
+      </p:sp>
     </p:spTree>
   </p:cSld>
   <p:clrMapOvr>
@@ -154,6 +234,101 @@
           <a:chExt cx="0" cy="0"/>
         </a:xfrm>
       </p:grpSpPr>
+      <p:sp>
+        <p:nvSpPr>
+          <p:cNvPr id="2" name="Title Placeholder 1"/>
+          <p:cNvSpPr>
+            <a:spLocks noGrp="1"/>
+          </p:cNvSpPr>
+          <p:nvPr>
+            <p:ph type="title"/>
+          </p:nvPr>
+        </p:nvSpPr>
+        <p:spPr>
+          <a:xfrm>
+            <a:off x="457200" y="274638"/>
+            <a:ext cx="8229600" cy="1143000"/>
+          </a:xfrm>
+          <a:prstGeom prst="rect">
+            <a:avLst/>
+          </a:prstGeom>
+        </p:spPr>
+        <p:txBody>
+          <a:bodyPr vert="horz" lIns="91440" tIns="45720" rIns="91440" bIns="45720" rtlCol="0" anchor="ctr">
+            <a:normAutofit/>
+          </a:bodyPr>
+          <a:lstStyle/>
+          <a:p>
+            <a:r>
+              <a:rPr lang="en-US" smtClean="0"/>
+              <a:t>Click to edit Master title style</a:t>
+            </a:r>
+            <a:endParaRPr lang="en-US"/>
+          </a:p>
+        </p:txBody>
+      </p:sp>
+      <p:sp>
+        <p:nvSpPr>
+          <p:cNvPr id="3" name="Text Placeholder 2"/>
+          <p:cNvSpPr>
+            <a:spLocks noGrp="1"/>
+          </p:cNvSpPr>
+          <p:nvPr>
+            <p:ph type="body" idx="1"/>
+          </p:nvPr>
+        </p:nvSpPr>
+        <p:spPr>
+          <a:xfrm>
+            <a:off x="457200" y="1600200"/>
+            <a:ext cx="8229600" cy="4525963"/>
+          </a:xfrm>
+          <a:prstGeom prst="rect">
+            <a:avLst/>
+          </a:prstGeom>
+        </p:spPr>
+        <p:txBody>
+          <a:bodyPr vert="horz" lIns="91440" tIns="45720" rIns="91440" bIns="45720" rtlCol="0">
+            <a:normAutofit/>
+          </a:bodyPr>
+          <a:lstStyle/>
+          <a:p>
+            <a:pPr lvl="0"/>
+            <a:r>
+              <a:rPr lang="en-US" smtClean="0"/>
+              <a:t>Click to edit Master text styles</a:t>
+            </a:r>
+          </a:p>
+          <a:p>
+            <a:pPr lvl="1"/>
+            <a:r>
+              <a:rPr lang="en-US" smtClean="0"/>
+              <a:t>Second level</a:t>
+            </a:r>
+          </a:p>
+          <a:p>
+            <a:pPr lvl="2"/>
+            <a:r>
+              <a:rPr lang="en-US" smtClean="0"/>
+              <a:t>Third level</a:t>
+            </a:r>
+          </a:p>
+          <a:p>
+            <a:pPr lvl="3"/>
+            <a:r>
+              <a:rPr lang="en-US" smtClean="0"/>
+              <a:t>Fourth level</a:t>
+            </a:r>
+          </a:p>
+          <a:p>
+            <a:pPr lvl="4"/>
+            <a:r>
+              <a:rPr lang="en-US" smtClean="0"/>
+              <a:t>Fifth level</a:t>
+            </a:r>
+            <a:endParaRPr lang="en-US"/>
+          </a:p>
+        </p:txBody>
+      </p:sp>
     </p:spTree>
   </p:cSld>
   <p:clrMap bg1="lt1" tx1="dk1" bg2="lt2" tx2="dk2" accent1="accent1" accent2="accent2" accent3="accent3" accent4="accent4" accent5="accent5" accent6="accent6" hlink="hlink" folHlink="folHlink"/>
@@ -432,38 +607,19 @@
       </p:grpSpPr>
       <p:sp>
         <p:nvSpPr>
-          <p:cNvPr id="2" name="Rounded Rectangle 1"/>
-          <p:cNvSpPr/>
-          <p:nvPr/>
+          <p:cNvPr id="4" name="Title 3"/>
+          <p:cNvSpPr>
+            <a:spLocks noGrp="1"/>
+          </p:cNvSpPr>
+          <p:nvPr>
+            <p:ph type="title"/>
+          </p:nvPr>
         </p:nvSpPr>
-        <p:spPr>
-          <a:xfrm>
-            <a:off x="2735796" y="2971800"/>
-            <a:ext cx="1152128" cy="914400"/>
-          </a:xfrm>
-          <a:prstGeom prst="roundRect">
-            <a:avLst/>
-          </a:prstGeom>
-        </p:spPr>
-        <p:style>
-          <a:lnRef idx="1">
-            <a:schemeClr val="accent1"/>
-          </a:lnRef>
-          <a:fillRef idx="3">
-            <a:schemeClr val="accent1"/>
-          </a:fillRef>
-          <a:effectRef idx="2">
-            <a:schemeClr val="accent1"/>
-          </a:effectRef>
-          <a:fontRef idx="minor">
-            <a:schemeClr val="lt1"/>
-          </a:fontRef>
-        </p:style>
+        <p:spPr/>
         <p:txBody>
-          <a:bodyPr rtlCol="0" anchor="ctr"/>
+          <a:bodyPr/>
           <a:lstStyle/>
           <a:p>
-            <a:pPr algn="ctr"/>
             <a:r>
               <a:rPr lang="en-US" dirty="0" smtClean="0"/>
               <a:t>Shape 1</a:t>
@@ -474,46 +630,63 @@
       </p:sp>
       <p:sp>
         <p:nvSpPr>
-          <p:cNvPr id="3" name="Rounded Rectangle 2"/>
-          <p:cNvSpPr/>
+          <p:cNvPr id="5" name="Content Placeholder 4"/>
+          <p:cNvSpPr>
+            <a:spLocks noGrp="1"/>
+          </p:cNvSpPr>
+          <p:nvPr>
+            <p:ph sz="quarter" idx="10"/>
+          </p:nvPr>
+        </p:nvSpPr>
+        <p:spPr/>
+        <p:txBody>
+          <a:bodyPr/>
+          <a:lstStyle/>
+          <a:p>
+            <a:r>
+              <a:rPr lang="en-US" dirty="0" smtClean="0"/>
+              <a:t>Shape 2</a:t>
+            </a:r>
+          </a:p>
+          <a:p>
+            <a:r>
+              <a:rPr lang="en-US" dirty="0" smtClean="0"/>
+              <a:t>Picture is Shape 3</a:t>
+            </a:r>
+            <a:endParaRPr lang="en-US" dirty="0"/>
+          </a:p>
+        </p:txBody>
+      </p:sp>
+      <p:pic>
+        <p:nvPicPr>
+          <p:cNvPr id="6" name="Picture 5" descr="python-powered.png"/>
+          <p:cNvPicPr>
+            <a:picLocks noChangeAspect="1"/>
+          </p:cNvPicPr>
           <p:nvPr/>
-        </p:nvSpPr>
+        </p:nvPicPr>
+        <p:blipFill>
+          <a:blip r:embed="rId2">
+            <a:extLst>
+              <a:ext uri="{28A0092B-C50C-407E-A947-70E740481C1C}">
+                <a14:useLocalDpi xmlns:a14="http://schemas.microsoft.com/office/drawing/2010/main" val="0"/>
+              </a:ext>
+            </a:extLst>
+          </a:blip>
+          <a:stretch>
+            <a:fillRect/>
+          </a:stretch>
+        </p:blipFill>
         <p:spPr>
           <a:xfrm>
-            <a:off x="5256076" y="2971800"/>
-            <a:ext cx="1152128" cy="914400"/>
+            <a:off x="7164288" y="5949280"/>
+            <a:ext cx="1778000" cy="711200"/>
           </a:xfrm>
-          <a:prstGeom prst="roundRect">
+          <a:prstGeom prst="rect">
             <a:avLst/>
           </a:prstGeom>
         </p:spPr>
-        <p:style>
-          <a:lnRef idx="1">
-            <a:schemeClr val="accent1"/>
-          </a:lnRef>
-          <a:fillRef idx="3">
-            <a:schemeClr val="accent1"/>
-          </a:fillRef>
-          <a:effectRef idx="2">
-            <a:schemeClr val="accent1"/>
-          </a:effectRef>
-          <a:fontRef idx="minor">
-            <a:schemeClr val="lt1"/>
-          </a:fontRef>
-        </p:style>
-        <p:txBody>
-          <a:bodyPr rtlCol="0" anchor="ctr"/>
-          <a:lstStyle/>
-          <a:p>
-            <a:pPr algn="ctr"/>
-            <a:r>
-              <a:rPr lang="en-US" dirty="0" smtClean="0"/>
-              <a:t>Shape 2</a:t>
-            </a:r>
-            <a:endParaRPr lang="en-US" dirty="0"/>
-          </a:p>
-        </p:txBody>
-      </p:sp>
+      </p:pic>
     </p:spTree>
     <p:extLst>
       <p:ext uri="{BB962C8B-B14F-4D97-AF65-F5344CB8AC3E}">

--- a/features/steps/test_files/sld-access-shapes.pptx
+++ b/features/steps/test_files/sld-access-shapes.pptx
@@ -105,6 +105,2809 @@
     </a:lvl9pPr>
   </p:defaultTextStyle>
 </p:presentation>
+</file>
+
+<file path=ppt/charts/chart1.xml><?xml version="1.0" encoding="utf-8"?>
+<c:chartSpace xmlns:c="http://schemas.openxmlformats.org/drawingml/2006/chart" xmlns:a="http://schemas.openxmlformats.org/drawingml/2006/main" xmlns:r="http://schemas.openxmlformats.org/officeDocument/2006/relationships">
+  <c:date1904 val="0"/>
+  <c:lang val="en-US"/>
+  <c:roundedCorners val="0"/>
+  <mc:AlternateContent xmlns:mc="http://schemas.openxmlformats.org/markup-compatibility/2006">
+    <mc:Choice xmlns:c14="http://schemas.microsoft.com/office/drawing/2007/8/2/chart" Requires="c14">
+      <c14:style val="118"/>
+    </mc:Choice>
+    <mc:Fallback>
+      <c:style val="18"/>
+    </mc:Fallback>
+  </mc:AlternateContent>
+  <c:chart>
+    <c:title>
+      <c:tx>
+        <c:rich>
+          <a:bodyPr/>
+          <a:lstStyle/>
+          <a:p>
+            <a:pPr>
+              <a:defRPr/>
+            </a:pPr>
+            <a:r>
+              <a:rPr lang="en-US" dirty="0" smtClean="0"/>
+              <a:t>shapes[4]</a:t>
+            </a:r>
+            <a:endParaRPr lang="en-US" dirty="0"/>
+          </a:p>
+        </c:rich>
+      </c:tx>
+      <c:layout/>
+      <c:overlay val="0"/>
+    </c:title>
+    <c:autoTitleDeleted val="0"/>
+    <c:plotArea>
+      <c:layout/>
+      <c:pieChart>
+        <c:varyColors val="1"/>
+        <c:ser>
+          <c:idx val="0"/>
+          <c:order val="0"/>
+          <c:tx>
+            <c:strRef>
+              <c:f>Sheet1!$B$1</c:f>
+              <c:strCache>
+                <c:ptCount val="1"/>
+                <c:pt idx="0">
+                  <c:v>Sales</c:v>
+                </c:pt>
+              </c:strCache>
+            </c:strRef>
+          </c:tx>
+          <c:cat>
+            <c:strRef>
+              <c:f>Sheet1!$A$2:$A$5</c:f>
+              <c:strCache>
+                <c:ptCount val="4"/>
+                <c:pt idx="0">
+                  <c:v>1st Qtr</c:v>
+                </c:pt>
+                <c:pt idx="1">
+                  <c:v>2nd Qtr</c:v>
+                </c:pt>
+                <c:pt idx="2">
+                  <c:v>3rd Qtr</c:v>
+                </c:pt>
+                <c:pt idx="3">
+                  <c:v>4th Qtr</c:v>
+                </c:pt>
+              </c:strCache>
+            </c:strRef>
+          </c:cat>
+          <c:val>
+            <c:numRef>
+              <c:f>Sheet1!$B$2:$B$5</c:f>
+              <c:numCache>
+                <c:formatCode>General</c:formatCode>
+                <c:ptCount val="4"/>
+                <c:pt idx="0">
+                  <c:v>8.2</c:v>
+                </c:pt>
+                <c:pt idx="1">
+                  <c:v>3.2</c:v>
+                </c:pt>
+                <c:pt idx="2">
+                  <c:v>1.4</c:v>
+                </c:pt>
+                <c:pt idx="3">
+                  <c:v>1.2</c:v>
+                </c:pt>
+              </c:numCache>
+            </c:numRef>
+          </c:val>
+        </c:ser>
+        <c:dLbls>
+          <c:showLegendKey val="0"/>
+          <c:showVal val="0"/>
+          <c:showCatName val="0"/>
+          <c:showSerName val="0"/>
+          <c:showPercent val="0"/>
+          <c:showBubbleSize val="0"/>
+          <c:showLeaderLines val="1"/>
+        </c:dLbls>
+        <c:firstSliceAng val="0"/>
+      </c:pieChart>
+    </c:plotArea>
+    <c:legend>
+      <c:legendPos val="r"/>
+      <c:layout/>
+      <c:overlay val="0"/>
+    </c:legend>
+    <c:plotVisOnly val="1"/>
+    <c:dispBlanksAs val="gap"/>
+    <c:showDLblsOverMax val="0"/>
+  </c:chart>
+  <c:txPr>
+    <a:bodyPr/>
+    <a:lstStyle/>
+    <a:p>
+      <a:pPr>
+        <a:defRPr sz="1800"/>
+      </a:pPr>
+      <a:endParaRPr lang="en-US"/>
+    </a:p>
+  </c:txPr>
+  <c:externalData r:id="rId1">
+    <c:autoUpdate val="0"/>
+  </c:externalData>
+</c:chartSpace>
+</file>
+
+<file path=ppt/diagrams/colors1.xml><?xml version="1.0" encoding="utf-8"?>
+<dgm:colorsDef xmlns:dgm="http://schemas.openxmlformats.org/drawingml/2006/diagram" xmlns:a="http://schemas.openxmlformats.org/drawingml/2006/main" uniqueId="urn:microsoft.com/office/officeart/2005/8/colors/accent1_2">
+  <dgm:title val=""/>
+  <dgm:desc val=""/>
+  <dgm:catLst>
+    <dgm:cat type="accent1" pri="11200"/>
+  </dgm:catLst>
+  <dgm:styleLbl name="node0">
+    <dgm:fillClrLst meth="repeat">
+      <a:schemeClr val="accent1"/>
+    </dgm:fillClrLst>
+    <dgm:linClrLst meth="repeat">
+      <a:schemeClr val="lt1"/>
+    </dgm:linClrLst>
+    <dgm:effectClrLst/>
+    <dgm:txLinClrLst/>
+    <dgm:txFillClrLst/>
+    <dgm:txEffectClrLst/>
+  </dgm:styleLbl>
+  <dgm:styleLbl name="alignNode1">
+    <dgm:fillClrLst meth="repeat">
+      <a:schemeClr val="accent1"/>
+    </dgm:fillClrLst>
+    <dgm:linClrLst meth="repeat">
+      <a:schemeClr val="accent1"/>
+    </dgm:linClrLst>
+    <dgm:effectClrLst/>
+    <dgm:txLinClrLst/>
+    <dgm:txFillClrLst/>
+    <dgm:txEffectClrLst/>
+  </dgm:styleLbl>
+  <dgm:styleLbl name="node1">
+    <dgm:fillClrLst meth="repeat">
+      <a:schemeClr val="accent1"/>
+    </dgm:fillClrLst>
+    <dgm:linClrLst meth="repeat">
+      <a:schemeClr val="lt1"/>
+    </dgm:linClrLst>
+    <dgm:effectClrLst/>
+    <dgm:txLinClrLst/>
+    <dgm:txFillClrLst/>
+    <dgm:txEffectClrLst/>
+  </dgm:styleLbl>
+  <dgm:styleLbl name="lnNode1">
+    <dgm:fillClrLst meth="repeat">
+      <a:schemeClr val="accent1"/>
+    </dgm:fillClrLst>
+    <dgm:linClrLst meth="repeat">
+      <a:schemeClr val="lt1"/>
+    </dgm:linClrLst>
+    <dgm:effectClrLst/>
+    <dgm:txLinClrLst/>
+    <dgm:txFillClrLst/>
+    <dgm:txEffectClrLst/>
+  </dgm:styleLbl>
+  <dgm:styleLbl name="vennNode1">
+    <dgm:fillClrLst meth="repeat">
+      <a:schemeClr val="accent1">
+        <a:alpha val="50000"/>
+      </a:schemeClr>
+    </dgm:fillClrLst>
+    <dgm:linClrLst meth="repeat">
+      <a:schemeClr val="lt1"/>
+    </dgm:linClrLst>
+    <dgm:effectClrLst/>
+    <dgm:txLinClrLst/>
+    <dgm:txFillClrLst/>
+    <dgm:txEffectClrLst/>
+  </dgm:styleLbl>
+  <dgm:styleLbl name="node2">
+    <dgm:fillClrLst meth="repeat">
+      <a:schemeClr val="accent1"/>
+    </dgm:fillClrLst>
+    <dgm:linClrLst meth="repeat">
+      <a:schemeClr val="lt1"/>
+    </dgm:linClrLst>
+    <dgm:effectClrLst/>
+    <dgm:txLinClrLst/>
+    <dgm:txFillClrLst/>
+    <dgm:txEffectClrLst/>
+  </dgm:styleLbl>
+  <dgm:styleLbl name="node3">
+    <dgm:fillClrLst meth="repeat">
+      <a:schemeClr val="accent1"/>
+    </dgm:fillClrLst>
+    <dgm:linClrLst meth="repeat">
+      <a:schemeClr val="lt1"/>
+    </dgm:linClrLst>
+    <dgm:effectClrLst/>
+    <dgm:txLinClrLst/>
+    <dgm:txFillClrLst/>
+    <dgm:txEffectClrLst/>
+  </dgm:styleLbl>
+  <dgm:styleLbl name="node4">
+    <dgm:fillClrLst meth="repeat">
+      <a:schemeClr val="accent1"/>
+    </dgm:fillClrLst>
+    <dgm:linClrLst meth="repeat">
+      <a:schemeClr val="lt1"/>
+    </dgm:linClrLst>
+    <dgm:effectClrLst/>
+    <dgm:txLinClrLst/>
+    <dgm:txFillClrLst/>
+    <dgm:txEffectClrLst/>
+  </dgm:styleLbl>
+  <dgm:styleLbl name="fgImgPlace1">
+    <dgm:fillClrLst meth="repeat">
+      <a:schemeClr val="accent1">
+        <a:tint val="50000"/>
+      </a:schemeClr>
+    </dgm:fillClrLst>
+    <dgm:linClrLst meth="repeat">
+      <a:schemeClr val="lt1"/>
+    </dgm:linClrLst>
+    <dgm:effectClrLst/>
+    <dgm:txLinClrLst/>
+    <dgm:txFillClrLst meth="repeat">
+      <a:schemeClr val="lt1"/>
+    </dgm:txFillClrLst>
+    <dgm:txEffectClrLst/>
+  </dgm:styleLbl>
+  <dgm:styleLbl name="alignImgPlace1">
+    <dgm:fillClrLst meth="repeat">
+      <a:schemeClr val="accent1">
+        <a:tint val="50000"/>
+      </a:schemeClr>
+    </dgm:fillClrLst>
+    <dgm:linClrLst meth="repeat">
+      <a:schemeClr val="lt1"/>
+    </dgm:linClrLst>
+    <dgm:effectClrLst/>
+    <dgm:txLinClrLst/>
+    <dgm:txFillClrLst meth="repeat">
+      <a:schemeClr val="lt1"/>
+    </dgm:txFillClrLst>
+    <dgm:txEffectClrLst/>
+  </dgm:styleLbl>
+  <dgm:styleLbl name="bgImgPlace1">
+    <dgm:fillClrLst meth="repeat">
+      <a:schemeClr val="accent1">
+        <a:tint val="50000"/>
+      </a:schemeClr>
+    </dgm:fillClrLst>
+    <dgm:linClrLst meth="repeat">
+      <a:schemeClr val="lt1"/>
+    </dgm:linClrLst>
+    <dgm:effectClrLst/>
+    <dgm:txLinClrLst/>
+    <dgm:txFillClrLst meth="repeat">
+      <a:schemeClr val="lt1"/>
+    </dgm:txFillClrLst>
+    <dgm:txEffectClrLst/>
+  </dgm:styleLbl>
+  <dgm:styleLbl name="sibTrans2D1">
+    <dgm:fillClrLst meth="repeat">
+      <a:schemeClr val="accent1">
+        <a:tint val="60000"/>
+      </a:schemeClr>
+    </dgm:fillClrLst>
+    <dgm:linClrLst meth="repeat">
+      <a:schemeClr val="accent1">
+        <a:tint val="60000"/>
+      </a:schemeClr>
+    </dgm:linClrLst>
+    <dgm:effectClrLst/>
+    <dgm:txLinClrLst/>
+    <dgm:txFillClrLst/>
+    <dgm:txEffectClrLst/>
+  </dgm:styleLbl>
+  <dgm:styleLbl name="fgSibTrans2D1">
+    <dgm:fillClrLst meth="repeat">
+      <a:schemeClr val="accent1">
+        <a:tint val="60000"/>
+      </a:schemeClr>
+    </dgm:fillClrLst>
+    <dgm:linClrLst meth="repeat">
+      <a:schemeClr val="accent1">
+        <a:tint val="60000"/>
+      </a:schemeClr>
+    </dgm:linClrLst>
+    <dgm:effectClrLst/>
+    <dgm:txLinClrLst/>
+    <dgm:txFillClrLst/>
+    <dgm:txEffectClrLst/>
+  </dgm:styleLbl>
+  <dgm:styleLbl name="bgSibTrans2D1">
+    <dgm:fillClrLst meth="repeat">
+      <a:schemeClr val="accent1">
+        <a:tint val="60000"/>
+      </a:schemeClr>
+    </dgm:fillClrLst>
+    <dgm:linClrLst meth="repeat">
+      <a:schemeClr val="accent1">
+        <a:tint val="60000"/>
+      </a:schemeClr>
+    </dgm:linClrLst>
+    <dgm:effectClrLst/>
+    <dgm:txLinClrLst/>
+    <dgm:txFillClrLst/>
+    <dgm:txEffectClrLst/>
+  </dgm:styleLbl>
+  <dgm:styleLbl name="sibTrans1D1">
+    <dgm:fillClrLst meth="repeat">
+      <a:schemeClr val="accent1"/>
+    </dgm:fillClrLst>
+    <dgm:linClrLst meth="repeat">
+      <a:schemeClr val="accent1"/>
+    </dgm:linClrLst>
+    <dgm:effectClrLst/>
+    <dgm:txLinClrLst/>
+    <dgm:txFillClrLst meth="repeat">
+      <a:schemeClr val="tx1"/>
+    </dgm:txFillClrLst>
+    <dgm:txEffectClrLst/>
+  </dgm:styleLbl>
+  <dgm:styleLbl name="callout">
+    <dgm:fillClrLst meth="repeat">
+      <a:schemeClr val="accent1"/>
+    </dgm:fillClrLst>
+    <dgm:linClrLst meth="repeat">
+      <a:schemeClr val="accent1">
+        <a:tint val="50000"/>
+      </a:schemeClr>
+    </dgm:linClrLst>
+    <dgm:effectClrLst/>
+    <dgm:txLinClrLst/>
+    <dgm:txFillClrLst meth="repeat">
+      <a:schemeClr val="tx1"/>
+    </dgm:txFillClrLst>
+    <dgm:txEffectClrLst/>
+  </dgm:styleLbl>
+  <dgm:styleLbl name="asst0">
+    <dgm:fillClrLst meth="repeat">
+      <a:schemeClr val="accent1"/>
+    </dgm:fillClrLst>
+    <dgm:linClrLst meth="repeat">
+      <a:schemeClr val="lt1"/>
+    </dgm:linClrLst>
+    <dgm:effectClrLst/>
+    <dgm:txLinClrLst/>
+    <dgm:txFillClrLst/>
+    <dgm:txEffectClrLst/>
+  </dgm:styleLbl>
+  <dgm:styleLbl name="asst1">
+    <dgm:fillClrLst meth="repeat">
+      <a:schemeClr val="accent1"/>
+    </dgm:fillClrLst>
+    <dgm:linClrLst meth="repeat">
+      <a:schemeClr val="lt1"/>
+    </dgm:linClrLst>
+    <dgm:effectClrLst/>
+    <dgm:txLinClrLst/>
+    <dgm:txFillClrLst/>
+    <dgm:txEffectClrLst/>
+  </dgm:styleLbl>
+  <dgm:styleLbl name="asst2">
+    <dgm:fillClrLst meth="repeat">
+      <a:schemeClr val="accent1"/>
+    </dgm:fillClrLst>
+    <dgm:linClrLst meth="repeat">
+      <a:schemeClr val="lt1"/>
+    </dgm:linClrLst>
+    <dgm:effectClrLst/>
+    <dgm:txLinClrLst/>
+    <dgm:txFillClrLst/>
+    <dgm:txEffectClrLst/>
+  </dgm:styleLbl>
+  <dgm:styleLbl name="asst3">
+    <dgm:fillClrLst meth="repeat">
+      <a:schemeClr val="accent1"/>
+    </dgm:fillClrLst>
+    <dgm:linClrLst meth="repeat">
+      <a:schemeClr val="lt1"/>
+    </dgm:linClrLst>
+    <dgm:effectClrLst/>
+    <dgm:txLinClrLst/>
+    <dgm:txFillClrLst/>
+    <dgm:txEffectClrLst/>
+  </dgm:styleLbl>
+  <dgm:styleLbl name="asst4">
+    <dgm:fillClrLst meth="repeat">
+      <a:schemeClr val="accent1"/>
+    </dgm:fillClrLst>
+    <dgm:linClrLst meth="repeat">
+      <a:schemeClr val="lt1"/>
+    </dgm:linClrLst>
+    <dgm:effectClrLst/>
+    <dgm:txLinClrLst/>
+    <dgm:txFillClrLst/>
+    <dgm:txEffectClrLst/>
+  </dgm:styleLbl>
+  <dgm:styleLbl name="parChTrans2D1">
+    <dgm:fillClrLst meth="repeat">
+      <a:schemeClr val="accent1">
+        <a:tint val="60000"/>
+      </a:schemeClr>
+    </dgm:fillClrLst>
+    <dgm:linClrLst meth="repeat">
+      <a:schemeClr val="accent1">
+        <a:tint val="60000"/>
+      </a:schemeClr>
+    </dgm:linClrLst>
+    <dgm:effectClrLst/>
+    <dgm:txLinClrLst/>
+    <dgm:txFillClrLst meth="repeat">
+      <a:schemeClr val="lt1"/>
+    </dgm:txFillClrLst>
+    <dgm:txEffectClrLst/>
+  </dgm:styleLbl>
+  <dgm:styleLbl name="parChTrans2D2">
+    <dgm:fillClrLst meth="repeat">
+      <a:schemeClr val="accent1"/>
+    </dgm:fillClrLst>
+    <dgm:linClrLst meth="repeat">
+      <a:schemeClr val="accent1"/>
+    </dgm:linClrLst>
+    <dgm:effectClrLst/>
+    <dgm:txLinClrLst/>
+    <dgm:txFillClrLst meth="repeat">
+      <a:schemeClr val="lt1"/>
+    </dgm:txFillClrLst>
+    <dgm:txEffectClrLst/>
+  </dgm:styleLbl>
+  <dgm:styleLbl name="parChTrans2D3">
+    <dgm:fillClrLst meth="repeat">
+      <a:schemeClr val="accent1"/>
+    </dgm:fillClrLst>
+    <dgm:linClrLst meth="repeat">
+      <a:schemeClr val="accent1"/>
+    </dgm:linClrLst>
+    <dgm:effectClrLst/>
+    <dgm:txLinClrLst/>
+    <dgm:txFillClrLst meth="repeat">
+      <a:schemeClr val="lt1"/>
+    </dgm:txFillClrLst>
+    <dgm:txEffectClrLst/>
+  </dgm:styleLbl>
+  <dgm:styleLbl name="parChTrans2D4">
+    <dgm:fillClrLst meth="repeat">
+      <a:schemeClr val="accent1"/>
+    </dgm:fillClrLst>
+    <dgm:linClrLst meth="repeat">
+      <a:schemeClr val="accent1"/>
+    </dgm:linClrLst>
+    <dgm:effectClrLst/>
+    <dgm:txLinClrLst/>
+    <dgm:txFillClrLst meth="repeat">
+      <a:schemeClr val="lt1"/>
+    </dgm:txFillClrLst>
+    <dgm:txEffectClrLst/>
+  </dgm:styleLbl>
+  <dgm:styleLbl name="parChTrans1D1">
+    <dgm:fillClrLst meth="repeat">
+      <a:schemeClr val="accent1"/>
+    </dgm:fillClrLst>
+    <dgm:linClrLst meth="repeat">
+      <a:schemeClr val="accent1">
+        <a:shade val="60000"/>
+      </a:schemeClr>
+    </dgm:linClrLst>
+    <dgm:effectClrLst/>
+    <dgm:txLinClrLst/>
+    <dgm:txFillClrLst meth="repeat">
+      <a:schemeClr val="tx1"/>
+    </dgm:txFillClrLst>
+    <dgm:txEffectClrLst/>
+  </dgm:styleLbl>
+  <dgm:styleLbl name="parChTrans1D2">
+    <dgm:fillClrLst meth="repeat">
+      <a:schemeClr val="accent1"/>
+    </dgm:fillClrLst>
+    <dgm:linClrLst meth="repeat">
+      <a:schemeClr val="accent1">
+        <a:shade val="60000"/>
+      </a:schemeClr>
+    </dgm:linClrLst>
+    <dgm:effectClrLst/>
+    <dgm:txLinClrLst/>
+    <dgm:txFillClrLst meth="repeat">
+      <a:schemeClr val="tx1"/>
+    </dgm:txFillClrLst>
+    <dgm:txEffectClrLst/>
+  </dgm:styleLbl>
+  <dgm:styleLbl name="parChTrans1D3">
+    <dgm:fillClrLst meth="repeat">
+      <a:schemeClr val="accent1"/>
+    </dgm:fillClrLst>
+    <dgm:linClrLst meth="repeat">
+      <a:schemeClr val="accent1">
+        <a:shade val="80000"/>
+      </a:schemeClr>
+    </dgm:linClrLst>
+    <dgm:effectClrLst/>
+    <dgm:txLinClrLst/>
+    <dgm:txFillClrLst meth="repeat">
+      <a:schemeClr val="tx1"/>
+    </dgm:txFillClrLst>
+    <dgm:txEffectClrLst/>
+  </dgm:styleLbl>
+  <dgm:styleLbl name="parChTrans1D4">
+    <dgm:fillClrLst meth="repeat">
+      <a:schemeClr val="accent1"/>
+    </dgm:fillClrLst>
+    <dgm:linClrLst meth="repeat">
+      <a:schemeClr val="accent1">
+        <a:shade val="80000"/>
+      </a:schemeClr>
+    </dgm:linClrLst>
+    <dgm:effectClrLst/>
+    <dgm:txLinClrLst/>
+    <dgm:txFillClrLst meth="repeat">
+      <a:schemeClr val="tx1"/>
+    </dgm:txFillClrLst>
+    <dgm:txEffectClrLst/>
+  </dgm:styleLbl>
+  <dgm:styleLbl name="fgAcc1">
+    <dgm:fillClrLst meth="repeat">
+      <a:schemeClr val="lt1">
+        <a:alpha val="90000"/>
+      </a:schemeClr>
+    </dgm:fillClrLst>
+    <dgm:linClrLst meth="repeat">
+      <a:schemeClr val="accent1"/>
+    </dgm:linClrLst>
+    <dgm:effectClrLst/>
+    <dgm:txLinClrLst/>
+    <dgm:txFillClrLst meth="repeat">
+      <a:schemeClr val="dk1"/>
+    </dgm:txFillClrLst>
+    <dgm:txEffectClrLst/>
+  </dgm:styleLbl>
+  <dgm:styleLbl name="conFgAcc1">
+    <dgm:fillClrLst meth="repeat">
+      <a:schemeClr val="lt1">
+        <a:alpha val="90000"/>
+      </a:schemeClr>
+    </dgm:fillClrLst>
+    <dgm:linClrLst meth="repeat">
+      <a:schemeClr val="accent1"/>
+    </dgm:linClrLst>
+    <dgm:effectClrLst/>
+    <dgm:txLinClrLst/>
+    <dgm:txFillClrLst meth="repeat">
+      <a:schemeClr val="dk1"/>
+    </dgm:txFillClrLst>
+    <dgm:txEffectClrLst/>
+  </dgm:styleLbl>
+  <dgm:styleLbl name="alignAcc1">
+    <dgm:fillClrLst meth="repeat">
+      <a:schemeClr val="lt1">
+        <a:alpha val="90000"/>
+      </a:schemeClr>
+    </dgm:fillClrLst>
+    <dgm:linClrLst meth="repeat">
+      <a:schemeClr val="accent1"/>
+    </dgm:linClrLst>
+    <dgm:effectClrLst/>
+    <dgm:txLinClrLst/>
+    <dgm:txFillClrLst meth="repeat">
+      <a:schemeClr val="dk1"/>
+    </dgm:txFillClrLst>
+    <dgm:txEffectClrLst/>
+  </dgm:styleLbl>
+  <dgm:styleLbl name="trAlignAcc1">
+    <dgm:fillClrLst meth="repeat">
+      <a:schemeClr val="lt1">
+        <a:alpha val="40000"/>
+      </a:schemeClr>
+    </dgm:fillClrLst>
+    <dgm:linClrLst meth="repeat">
+      <a:schemeClr val="accent1"/>
+    </dgm:linClrLst>
+    <dgm:effectClrLst/>
+    <dgm:txLinClrLst/>
+    <dgm:txFillClrLst meth="repeat">
+      <a:schemeClr val="dk1"/>
+    </dgm:txFillClrLst>
+    <dgm:txEffectClrLst/>
+  </dgm:styleLbl>
+  <dgm:styleLbl name="bgAcc1">
+    <dgm:fillClrLst meth="repeat">
+      <a:schemeClr val="lt1">
+        <a:alpha val="90000"/>
+      </a:schemeClr>
+    </dgm:fillClrLst>
+    <dgm:linClrLst meth="repeat">
+      <a:schemeClr val="accent1"/>
+    </dgm:linClrLst>
+    <dgm:effectClrLst/>
+    <dgm:txLinClrLst/>
+    <dgm:txFillClrLst meth="repeat">
+      <a:schemeClr val="dk1"/>
+    </dgm:txFillClrLst>
+    <dgm:txEffectClrLst/>
+  </dgm:styleLbl>
+  <dgm:styleLbl name="solidFgAcc1">
+    <dgm:fillClrLst meth="repeat">
+      <a:schemeClr val="lt1"/>
+    </dgm:fillClrLst>
+    <dgm:linClrLst meth="repeat">
+      <a:schemeClr val="accent1"/>
+    </dgm:linClrLst>
+    <dgm:effectClrLst/>
+    <dgm:txLinClrLst/>
+    <dgm:txFillClrLst meth="repeat">
+      <a:schemeClr val="dk1"/>
+    </dgm:txFillClrLst>
+    <dgm:txEffectClrLst/>
+  </dgm:styleLbl>
+  <dgm:styleLbl name="solidAlignAcc1">
+    <dgm:fillClrLst meth="repeat">
+      <a:schemeClr val="lt1"/>
+    </dgm:fillClrLst>
+    <dgm:linClrLst meth="repeat">
+      <a:schemeClr val="accent1"/>
+    </dgm:linClrLst>
+    <dgm:effectClrLst/>
+    <dgm:txLinClrLst/>
+    <dgm:txFillClrLst meth="repeat">
+      <a:schemeClr val="dk1"/>
+    </dgm:txFillClrLst>
+    <dgm:txEffectClrLst/>
+  </dgm:styleLbl>
+  <dgm:styleLbl name="solidBgAcc1">
+    <dgm:fillClrLst meth="repeat">
+      <a:schemeClr val="lt1"/>
+    </dgm:fillClrLst>
+    <dgm:linClrLst meth="repeat">
+      <a:schemeClr val="accent1"/>
+    </dgm:linClrLst>
+    <dgm:effectClrLst/>
+    <dgm:txLinClrLst/>
+    <dgm:txFillClrLst meth="repeat">
+      <a:schemeClr val="dk1"/>
+    </dgm:txFillClrLst>
+    <dgm:txEffectClrLst/>
+  </dgm:styleLbl>
+  <dgm:styleLbl name="fgAccFollowNode1">
+    <dgm:fillClrLst meth="repeat">
+      <a:schemeClr val="accent1">
+        <a:alpha val="90000"/>
+        <a:tint val="40000"/>
+      </a:schemeClr>
+    </dgm:fillClrLst>
+    <dgm:linClrLst meth="repeat">
+      <a:schemeClr val="accent1">
+        <a:alpha val="90000"/>
+        <a:tint val="40000"/>
+      </a:schemeClr>
+    </dgm:linClrLst>
+    <dgm:effectClrLst/>
+    <dgm:txLinClrLst/>
+    <dgm:txFillClrLst meth="repeat">
+      <a:schemeClr val="dk1"/>
+    </dgm:txFillClrLst>
+    <dgm:txEffectClrLst/>
+  </dgm:styleLbl>
+  <dgm:styleLbl name="alignAccFollowNode1">
+    <dgm:fillClrLst meth="repeat">
+      <a:schemeClr val="accent1">
+        <a:alpha val="90000"/>
+        <a:tint val="40000"/>
+      </a:schemeClr>
+    </dgm:fillClrLst>
+    <dgm:linClrLst meth="repeat">
+      <a:schemeClr val="accent1">
+        <a:alpha val="90000"/>
+        <a:tint val="40000"/>
+      </a:schemeClr>
+    </dgm:linClrLst>
+    <dgm:effectClrLst/>
+    <dgm:txLinClrLst/>
+    <dgm:txFillClrLst meth="repeat">
+      <a:schemeClr val="dk1"/>
+    </dgm:txFillClrLst>
+    <dgm:txEffectClrLst/>
+  </dgm:styleLbl>
+  <dgm:styleLbl name="bgAccFollowNode1">
+    <dgm:fillClrLst meth="repeat">
+      <a:schemeClr val="accent1">
+        <a:alpha val="90000"/>
+        <a:tint val="40000"/>
+      </a:schemeClr>
+    </dgm:fillClrLst>
+    <dgm:linClrLst meth="repeat">
+      <a:schemeClr val="accent1">
+        <a:alpha val="90000"/>
+        <a:tint val="40000"/>
+      </a:schemeClr>
+    </dgm:linClrLst>
+    <dgm:effectClrLst/>
+    <dgm:txLinClrLst/>
+    <dgm:txFillClrLst meth="repeat">
+      <a:schemeClr val="dk1"/>
+    </dgm:txFillClrLst>
+    <dgm:txEffectClrLst/>
+  </dgm:styleLbl>
+  <dgm:styleLbl name="fgAcc0">
+    <dgm:fillClrLst meth="repeat">
+      <a:schemeClr val="lt1">
+        <a:alpha val="90000"/>
+      </a:schemeClr>
+    </dgm:fillClrLst>
+    <dgm:linClrLst meth="repeat">
+      <a:schemeClr val="accent1"/>
+    </dgm:linClrLst>
+    <dgm:effectClrLst/>
+    <dgm:txLinClrLst/>
+    <dgm:txFillClrLst meth="repeat">
+      <a:schemeClr val="dk1"/>
+    </dgm:txFillClrLst>
+    <dgm:txEffectClrLst/>
+  </dgm:styleLbl>
+  <dgm:styleLbl name="fgAcc2">
+    <dgm:fillClrLst meth="repeat">
+      <a:schemeClr val="lt1">
+        <a:alpha val="90000"/>
+      </a:schemeClr>
+    </dgm:fillClrLst>
+    <dgm:linClrLst meth="repeat">
+      <a:schemeClr val="accent1"/>
+    </dgm:linClrLst>
+    <dgm:effectClrLst/>
+    <dgm:txLinClrLst/>
+    <dgm:txFillClrLst meth="repeat">
+      <a:schemeClr val="dk1"/>
+    </dgm:txFillClrLst>
+    <dgm:txEffectClrLst/>
+  </dgm:styleLbl>
+  <dgm:styleLbl name="fgAcc3">
+    <dgm:fillClrLst meth="repeat">
+      <a:schemeClr val="lt1">
+        <a:alpha val="90000"/>
+      </a:schemeClr>
+    </dgm:fillClrLst>
+    <dgm:linClrLst meth="repeat">
+      <a:schemeClr val="accent1"/>
+    </dgm:linClrLst>
+    <dgm:effectClrLst/>
+    <dgm:txLinClrLst/>
+    <dgm:txFillClrLst meth="repeat">
+      <a:schemeClr val="dk1"/>
+    </dgm:txFillClrLst>
+    <dgm:txEffectClrLst/>
+  </dgm:styleLbl>
+  <dgm:styleLbl name="fgAcc4">
+    <dgm:fillClrLst meth="repeat">
+      <a:schemeClr val="lt1">
+        <a:alpha val="90000"/>
+      </a:schemeClr>
+    </dgm:fillClrLst>
+    <dgm:linClrLst meth="repeat">
+      <a:schemeClr val="accent1"/>
+    </dgm:linClrLst>
+    <dgm:effectClrLst/>
+    <dgm:txLinClrLst/>
+    <dgm:txFillClrLst meth="repeat">
+      <a:schemeClr val="dk1"/>
+    </dgm:txFillClrLst>
+    <dgm:txEffectClrLst/>
+  </dgm:styleLbl>
+  <dgm:styleLbl name="bgShp">
+    <dgm:fillClrLst meth="repeat">
+      <a:schemeClr val="accent1">
+        <a:tint val="40000"/>
+      </a:schemeClr>
+    </dgm:fillClrLst>
+    <dgm:linClrLst meth="repeat">
+      <a:schemeClr val="accent1"/>
+    </dgm:linClrLst>
+    <dgm:effectClrLst/>
+    <dgm:txLinClrLst/>
+    <dgm:txFillClrLst meth="repeat">
+      <a:schemeClr val="dk1"/>
+    </dgm:txFillClrLst>
+    <dgm:txEffectClrLst/>
+  </dgm:styleLbl>
+  <dgm:styleLbl name="dkBgShp">
+    <dgm:fillClrLst meth="repeat">
+      <a:schemeClr val="accent1">
+        <a:shade val="80000"/>
+      </a:schemeClr>
+    </dgm:fillClrLst>
+    <dgm:linClrLst meth="repeat">
+      <a:schemeClr val="accent1"/>
+    </dgm:linClrLst>
+    <dgm:effectClrLst/>
+    <dgm:txLinClrLst/>
+    <dgm:txFillClrLst meth="repeat">
+      <a:schemeClr val="lt1"/>
+    </dgm:txFillClrLst>
+    <dgm:txEffectClrLst/>
+  </dgm:styleLbl>
+  <dgm:styleLbl name="trBgShp">
+    <dgm:fillClrLst meth="repeat">
+      <a:schemeClr val="accent1">
+        <a:tint val="50000"/>
+        <a:alpha val="40000"/>
+      </a:schemeClr>
+    </dgm:fillClrLst>
+    <dgm:linClrLst meth="repeat">
+      <a:schemeClr val="accent1"/>
+    </dgm:linClrLst>
+    <dgm:effectClrLst/>
+    <dgm:txLinClrLst/>
+    <dgm:txFillClrLst meth="repeat">
+      <a:schemeClr val="lt1"/>
+    </dgm:txFillClrLst>
+    <dgm:txEffectClrLst/>
+  </dgm:styleLbl>
+  <dgm:styleLbl name="fgShp">
+    <dgm:fillClrLst meth="repeat">
+      <a:schemeClr val="accent1">
+        <a:tint val="60000"/>
+      </a:schemeClr>
+    </dgm:fillClrLst>
+    <dgm:linClrLst meth="repeat">
+      <a:schemeClr val="lt1"/>
+    </dgm:linClrLst>
+    <dgm:effectClrLst/>
+    <dgm:txLinClrLst/>
+    <dgm:txFillClrLst meth="repeat">
+      <a:schemeClr val="dk1"/>
+    </dgm:txFillClrLst>
+    <dgm:txEffectClrLst/>
+  </dgm:styleLbl>
+  <dgm:styleLbl name="revTx">
+    <dgm:fillClrLst meth="repeat">
+      <a:schemeClr val="lt1">
+        <a:alpha val="0"/>
+      </a:schemeClr>
+    </dgm:fillClrLst>
+    <dgm:linClrLst meth="repeat">
+      <a:schemeClr val="dk1">
+        <a:alpha val="0"/>
+      </a:schemeClr>
+    </dgm:linClrLst>
+    <dgm:effectClrLst/>
+    <dgm:txLinClrLst/>
+    <dgm:txFillClrLst meth="repeat">
+      <a:schemeClr val="tx1"/>
+    </dgm:txFillClrLst>
+    <dgm:txEffectClrLst/>
+  </dgm:styleLbl>
+</dgm:colorsDef>
+</file>
+
+<file path=ppt/diagrams/data1.xml><?xml version="1.0" encoding="utf-8"?>
+<dgm:dataModel xmlns:dgm="http://schemas.openxmlformats.org/drawingml/2006/diagram" xmlns:a="http://schemas.openxmlformats.org/drawingml/2006/main">
+  <dgm:ptLst>
+    <dgm:pt modelId="{3E9BB59C-3442-AB47-9516-D05C2740C812}" type="doc">
+      <dgm:prSet loTypeId="urn:microsoft.com/office/officeart/2005/8/layout/process1" loCatId="" qsTypeId="urn:microsoft.com/office/officeart/2005/8/quickstyle/simple4" qsCatId="simple" csTypeId="urn:microsoft.com/office/officeart/2005/8/colors/accent1_2" csCatId="accent1" phldr="1"/>
+      <dgm:spPr/>
+    </dgm:pt>
+    <dgm:pt modelId="{7FD01E35-3593-C74D-BE1E-E2D79F07B665}">
+      <dgm:prSet phldrT="[Text]"/>
+      <dgm:spPr/>
+      <dgm:t>
+        <a:bodyPr/>
+        <a:lstStyle/>
+        <a:p>
+          <a:r>
+            <a:rPr lang="en-US" dirty="0" smtClean="0"/>
+            <a:t>shapes[5]</a:t>
+          </a:r>
+          <a:endParaRPr lang="en-US" dirty="0"/>
+        </a:p>
+      </dgm:t>
+    </dgm:pt>
+    <dgm:pt modelId="{6EB3FD27-4969-0344-A7F8-DF763F0952DD}" type="parTrans" cxnId="{BE58425E-C51E-EF4E-B583-4121D8487EAA}">
+      <dgm:prSet/>
+      <dgm:spPr/>
+      <dgm:t>
+        <a:bodyPr/>
+        <a:lstStyle/>
+        <a:p>
+          <a:endParaRPr lang="en-US"/>
+        </a:p>
+      </dgm:t>
+    </dgm:pt>
+    <dgm:pt modelId="{BCEB9037-8135-8C4C-8B2E-4F3B2854A41B}" type="sibTrans" cxnId="{BE58425E-C51E-EF4E-B583-4121D8487EAA}">
+      <dgm:prSet/>
+      <dgm:spPr/>
+      <dgm:t>
+        <a:bodyPr/>
+        <a:lstStyle/>
+        <a:p>
+          <a:endParaRPr lang="en-US"/>
+        </a:p>
+      </dgm:t>
+    </dgm:pt>
+    <dgm:pt modelId="{6672BA30-8935-A046-8594-76596A1105FD}">
+      <dgm:prSet phldrT="[Text]"/>
+      <dgm:spPr/>
+      <dgm:t>
+        <a:bodyPr/>
+        <a:lstStyle/>
+        <a:p>
+          <a:r>
+            <a:rPr lang="en-US" dirty="0" smtClean="0"/>
+            <a:t> </a:t>
+          </a:r>
+          <a:endParaRPr lang="en-US" dirty="0"/>
+        </a:p>
+      </dgm:t>
+    </dgm:pt>
+    <dgm:pt modelId="{F81283A4-AB68-384C-9231-AC080E61C25E}" type="parTrans" cxnId="{C8E8C13E-4DC9-8E48-8322-2974F6F32975}">
+      <dgm:prSet/>
+      <dgm:spPr/>
+      <dgm:t>
+        <a:bodyPr/>
+        <a:lstStyle/>
+        <a:p>
+          <a:endParaRPr lang="en-US"/>
+        </a:p>
+      </dgm:t>
+    </dgm:pt>
+    <dgm:pt modelId="{E8204F49-CD84-5D4D-B192-4438A152B1DC}" type="sibTrans" cxnId="{C8E8C13E-4DC9-8E48-8322-2974F6F32975}">
+      <dgm:prSet/>
+      <dgm:spPr/>
+      <dgm:t>
+        <a:bodyPr/>
+        <a:lstStyle/>
+        <a:p>
+          <a:endParaRPr lang="en-US"/>
+        </a:p>
+      </dgm:t>
+    </dgm:pt>
+    <dgm:pt modelId="{B185EE18-05E4-C240-B77F-AE95E9EB9C5F}">
+      <dgm:prSet phldrT="[Text]"/>
+      <dgm:spPr/>
+      <dgm:t>
+        <a:bodyPr/>
+        <a:lstStyle/>
+        <a:p>
+          <a:r>
+            <a:rPr lang="en-US" dirty="0" smtClean="0"/>
+            <a:t> Smart Art</a:t>
+          </a:r>
+          <a:endParaRPr lang="en-US" dirty="0"/>
+        </a:p>
+      </dgm:t>
+    </dgm:pt>
+    <dgm:pt modelId="{F01162CA-006C-9D4C-9CC6-2811640B7B89}" type="parTrans" cxnId="{A2EA90B4-3904-3349-B3FF-645BD8927CF1}">
+      <dgm:prSet/>
+      <dgm:spPr/>
+      <dgm:t>
+        <a:bodyPr/>
+        <a:lstStyle/>
+        <a:p>
+          <a:endParaRPr lang="en-US"/>
+        </a:p>
+      </dgm:t>
+    </dgm:pt>
+    <dgm:pt modelId="{8979796F-091D-9742-B614-D5916ABC1D06}" type="sibTrans" cxnId="{A2EA90B4-3904-3349-B3FF-645BD8927CF1}">
+      <dgm:prSet/>
+      <dgm:spPr/>
+      <dgm:t>
+        <a:bodyPr/>
+        <a:lstStyle/>
+        <a:p>
+          <a:endParaRPr lang="en-US"/>
+        </a:p>
+      </dgm:t>
+    </dgm:pt>
+    <dgm:pt modelId="{884301EF-0A41-2F4C-82F5-8B9E2FF113BC}" type="pres">
+      <dgm:prSet presAssocID="{3E9BB59C-3442-AB47-9516-D05C2740C812}" presName="Name0" presStyleCnt="0">
+        <dgm:presLayoutVars>
+          <dgm:dir/>
+          <dgm:resizeHandles val="exact"/>
+        </dgm:presLayoutVars>
+      </dgm:prSet>
+      <dgm:spPr/>
+    </dgm:pt>
+    <dgm:pt modelId="{5A183679-F237-8E4A-BA44-AAD532C514F1}" type="pres">
+      <dgm:prSet presAssocID="{7FD01E35-3593-C74D-BE1E-E2D79F07B665}" presName="node" presStyleLbl="node1" presStyleIdx="0" presStyleCnt="3">
+        <dgm:presLayoutVars>
+          <dgm:bulletEnabled val="1"/>
+        </dgm:presLayoutVars>
+      </dgm:prSet>
+      <dgm:spPr/>
+      <dgm:t>
+        <a:bodyPr/>
+        <a:lstStyle/>
+        <a:p>
+          <a:endParaRPr lang="en-US"/>
+        </a:p>
+      </dgm:t>
+    </dgm:pt>
+    <dgm:pt modelId="{76DBFE1B-4144-9848-BF42-89AD15BEB370}" type="pres">
+      <dgm:prSet presAssocID="{BCEB9037-8135-8C4C-8B2E-4F3B2854A41B}" presName="sibTrans" presStyleLbl="sibTrans2D1" presStyleIdx="0" presStyleCnt="2"/>
+      <dgm:spPr/>
+    </dgm:pt>
+    <dgm:pt modelId="{9796588B-6583-2B41-93DC-0459614D954B}" type="pres">
+      <dgm:prSet presAssocID="{BCEB9037-8135-8C4C-8B2E-4F3B2854A41B}" presName="connectorText" presStyleLbl="sibTrans2D1" presStyleIdx="0" presStyleCnt="2"/>
+      <dgm:spPr/>
+    </dgm:pt>
+    <dgm:pt modelId="{A998EA2A-9166-EA4D-AD00-C84E18DA4D0C}" type="pres">
+      <dgm:prSet presAssocID="{6672BA30-8935-A046-8594-76596A1105FD}" presName="node" presStyleLbl="node1" presStyleIdx="1" presStyleCnt="3">
+        <dgm:presLayoutVars>
+          <dgm:bulletEnabled val="1"/>
+        </dgm:presLayoutVars>
+      </dgm:prSet>
+      <dgm:spPr/>
+      <dgm:t>
+        <a:bodyPr/>
+        <a:lstStyle/>
+        <a:p>
+          <a:endParaRPr lang="en-US"/>
+        </a:p>
+      </dgm:t>
+    </dgm:pt>
+    <dgm:pt modelId="{D7E6BFD9-07A3-C64B-9399-EE30EC59A042}" type="pres">
+      <dgm:prSet presAssocID="{E8204F49-CD84-5D4D-B192-4438A152B1DC}" presName="sibTrans" presStyleLbl="sibTrans2D1" presStyleIdx="1" presStyleCnt="2"/>
+      <dgm:spPr/>
+    </dgm:pt>
+    <dgm:pt modelId="{ADD493EA-4D67-0041-BAF0-4E5FE09FCEE8}" type="pres">
+      <dgm:prSet presAssocID="{E8204F49-CD84-5D4D-B192-4438A152B1DC}" presName="connectorText" presStyleLbl="sibTrans2D1" presStyleIdx="1" presStyleCnt="2"/>
+      <dgm:spPr/>
+    </dgm:pt>
+    <dgm:pt modelId="{A7CEAFEB-AFA1-0349-AD09-A062A478B8A0}" type="pres">
+      <dgm:prSet presAssocID="{B185EE18-05E4-C240-B77F-AE95E9EB9C5F}" presName="node" presStyleLbl="node1" presStyleIdx="2" presStyleCnt="3">
+        <dgm:presLayoutVars>
+          <dgm:bulletEnabled val="1"/>
+        </dgm:presLayoutVars>
+      </dgm:prSet>
+      <dgm:spPr/>
+    </dgm:pt>
+  </dgm:ptLst>
+  <dgm:cxnLst>
+    <dgm:cxn modelId="{41ED687E-D039-1A40-87D5-D21A6730C7E3}" type="presOf" srcId="{E8204F49-CD84-5D4D-B192-4438A152B1DC}" destId="{ADD493EA-4D67-0041-BAF0-4E5FE09FCEE8}" srcOrd="1" destOrd="0" presId="urn:microsoft.com/office/officeart/2005/8/layout/process1"/>
+    <dgm:cxn modelId="{7F51998E-4013-8F46-9B19-09BEE5B01182}" type="presOf" srcId="{BCEB9037-8135-8C4C-8B2E-4F3B2854A41B}" destId="{76DBFE1B-4144-9848-BF42-89AD15BEB370}" srcOrd="0" destOrd="0" presId="urn:microsoft.com/office/officeart/2005/8/layout/process1"/>
+    <dgm:cxn modelId="{A2EA90B4-3904-3349-B3FF-645BD8927CF1}" srcId="{3E9BB59C-3442-AB47-9516-D05C2740C812}" destId="{B185EE18-05E4-C240-B77F-AE95E9EB9C5F}" srcOrd="2" destOrd="0" parTransId="{F01162CA-006C-9D4C-9CC6-2811640B7B89}" sibTransId="{8979796F-091D-9742-B614-D5916ABC1D06}"/>
+    <dgm:cxn modelId="{1B17ECB2-6AF4-E443-A1A7-5203FAA807D5}" type="presOf" srcId="{7FD01E35-3593-C74D-BE1E-E2D79F07B665}" destId="{5A183679-F237-8E4A-BA44-AAD532C514F1}" srcOrd="0" destOrd="0" presId="urn:microsoft.com/office/officeart/2005/8/layout/process1"/>
+    <dgm:cxn modelId="{15483B35-BC6E-8C47-8503-F73D9608BEA4}" type="presOf" srcId="{6672BA30-8935-A046-8594-76596A1105FD}" destId="{A998EA2A-9166-EA4D-AD00-C84E18DA4D0C}" srcOrd="0" destOrd="0" presId="urn:microsoft.com/office/officeart/2005/8/layout/process1"/>
+    <dgm:cxn modelId="{25EA6AF1-3D8C-C649-B2B8-3F9E0938842B}" type="presOf" srcId="{3E9BB59C-3442-AB47-9516-D05C2740C812}" destId="{884301EF-0A41-2F4C-82F5-8B9E2FF113BC}" srcOrd="0" destOrd="0" presId="urn:microsoft.com/office/officeart/2005/8/layout/process1"/>
+    <dgm:cxn modelId="{A23C85E5-4965-6144-B5D1-A3D63197114B}" type="presOf" srcId="{B185EE18-05E4-C240-B77F-AE95E9EB9C5F}" destId="{A7CEAFEB-AFA1-0349-AD09-A062A478B8A0}" srcOrd="0" destOrd="0" presId="urn:microsoft.com/office/officeart/2005/8/layout/process1"/>
+    <dgm:cxn modelId="{59B2CEE5-BFB0-D548-AB5A-AAEDCE698B8E}" type="presOf" srcId="{E8204F49-CD84-5D4D-B192-4438A152B1DC}" destId="{D7E6BFD9-07A3-C64B-9399-EE30EC59A042}" srcOrd="0" destOrd="0" presId="urn:microsoft.com/office/officeart/2005/8/layout/process1"/>
+    <dgm:cxn modelId="{C8E8C13E-4DC9-8E48-8322-2974F6F32975}" srcId="{3E9BB59C-3442-AB47-9516-D05C2740C812}" destId="{6672BA30-8935-A046-8594-76596A1105FD}" srcOrd="1" destOrd="0" parTransId="{F81283A4-AB68-384C-9231-AC080E61C25E}" sibTransId="{E8204F49-CD84-5D4D-B192-4438A152B1DC}"/>
+    <dgm:cxn modelId="{B69E4433-BC95-9D49-BD75-99B96BC91980}" type="presOf" srcId="{BCEB9037-8135-8C4C-8B2E-4F3B2854A41B}" destId="{9796588B-6583-2B41-93DC-0459614D954B}" srcOrd="1" destOrd="0" presId="urn:microsoft.com/office/officeart/2005/8/layout/process1"/>
+    <dgm:cxn modelId="{BE58425E-C51E-EF4E-B583-4121D8487EAA}" srcId="{3E9BB59C-3442-AB47-9516-D05C2740C812}" destId="{7FD01E35-3593-C74D-BE1E-E2D79F07B665}" srcOrd="0" destOrd="0" parTransId="{6EB3FD27-4969-0344-A7F8-DF763F0952DD}" sibTransId="{BCEB9037-8135-8C4C-8B2E-4F3B2854A41B}"/>
+    <dgm:cxn modelId="{55E6B479-7D0A-A649-9E9A-E79EDCA0F21D}" type="presParOf" srcId="{884301EF-0A41-2F4C-82F5-8B9E2FF113BC}" destId="{5A183679-F237-8E4A-BA44-AAD532C514F1}" srcOrd="0" destOrd="0" presId="urn:microsoft.com/office/officeart/2005/8/layout/process1"/>
+    <dgm:cxn modelId="{0F793D96-8224-5C40-83BF-0BA4688B8D4B}" type="presParOf" srcId="{884301EF-0A41-2F4C-82F5-8B9E2FF113BC}" destId="{76DBFE1B-4144-9848-BF42-89AD15BEB370}" srcOrd="1" destOrd="0" presId="urn:microsoft.com/office/officeart/2005/8/layout/process1"/>
+    <dgm:cxn modelId="{30121910-4BC3-914C-BDBF-54CC313B8553}" type="presParOf" srcId="{76DBFE1B-4144-9848-BF42-89AD15BEB370}" destId="{9796588B-6583-2B41-93DC-0459614D954B}" srcOrd="0" destOrd="0" presId="urn:microsoft.com/office/officeart/2005/8/layout/process1"/>
+    <dgm:cxn modelId="{E3570E59-C184-284C-8EDA-F7D0AB5C42CE}" type="presParOf" srcId="{884301EF-0A41-2F4C-82F5-8B9E2FF113BC}" destId="{A998EA2A-9166-EA4D-AD00-C84E18DA4D0C}" srcOrd="2" destOrd="0" presId="urn:microsoft.com/office/officeart/2005/8/layout/process1"/>
+    <dgm:cxn modelId="{DCAA27EF-6A49-9149-AFCF-7BB6EF302E40}" type="presParOf" srcId="{884301EF-0A41-2F4C-82F5-8B9E2FF113BC}" destId="{D7E6BFD9-07A3-C64B-9399-EE30EC59A042}" srcOrd="3" destOrd="0" presId="urn:microsoft.com/office/officeart/2005/8/layout/process1"/>
+    <dgm:cxn modelId="{E4230820-3AC6-7442-82CB-65B435CB316A}" type="presParOf" srcId="{D7E6BFD9-07A3-C64B-9399-EE30EC59A042}" destId="{ADD493EA-4D67-0041-BAF0-4E5FE09FCEE8}" srcOrd="0" destOrd="0" presId="urn:microsoft.com/office/officeart/2005/8/layout/process1"/>
+    <dgm:cxn modelId="{6D9C0B2F-5707-DB41-8988-C2770434E226}" type="presParOf" srcId="{884301EF-0A41-2F4C-82F5-8B9E2FF113BC}" destId="{A7CEAFEB-AFA1-0349-AD09-A062A478B8A0}" srcOrd="4" destOrd="0" presId="urn:microsoft.com/office/officeart/2005/8/layout/process1"/>
+  </dgm:cxnLst>
+  <dgm:bg/>
+  <dgm:whole/>
+  <dgm:extLst>
+    <a:ext uri="http://schemas.microsoft.com/office/drawing/2008/diagram">
+      <dsp:dataModelExt xmlns:dsp="http://schemas.microsoft.com/office/drawing/2008/diagram" relId="rId8" minVer="http://schemas.openxmlformats.org/drawingml/2006/diagram"/>
+    </a:ext>
+  </dgm:extLst>
+</dgm:dataModel>
+</file>
+
+<file path=ppt/diagrams/drawing1.xml><?xml version="1.0" encoding="utf-8"?>
+<dsp:drawing xmlns:dgm="http://schemas.openxmlformats.org/drawingml/2006/diagram" xmlns:dsp="http://schemas.microsoft.com/office/drawing/2008/diagram" xmlns:a="http://schemas.openxmlformats.org/drawingml/2006/main">
+  <dsp:spTree>
+    <dsp:nvGrpSpPr>
+      <dsp:cNvPr id="0" name=""/>
+      <dsp:cNvGrpSpPr/>
+    </dsp:nvGrpSpPr>
+    <dsp:grpSpPr/>
+    <dsp:sp modelId="{5A183679-F237-8E4A-BA44-AAD532C514F1}">
+      <dsp:nvSpPr>
+        <dsp:cNvPr id="0" name=""/>
+        <dsp:cNvSpPr/>
+      </dsp:nvSpPr>
+      <dsp:spPr>
+        <a:xfrm>
+          <a:off x="3354" y="851360"/>
+          <a:ext cx="1002556" cy="601534"/>
+        </a:xfrm>
+        <a:prstGeom prst="roundRect">
+          <a:avLst>
+            <a:gd name="adj" fmla="val 10000"/>
+          </a:avLst>
+        </a:prstGeom>
+        <a:gradFill rotWithShape="0">
+          <a:gsLst>
+            <a:gs pos="0">
+              <a:schemeClr val="accent1">
+                <a:hueOff val="0"/>
+                <a:satOff val="0"/>
+                <a:lumOff val="0"/>
+                <a:alphaOff val="0"/>
+                <a:shade val="51000"/>
+                <a:satMod val="130000"/>
+              </a:schemeClr>
+            </a:gs>
+            <a:gs pos="80000">
+              <a:schemeClr val="accent1">
+                <a:hueOff val="0"/>
+                <a:satOff val="0"/>
+                <a:lumOff val="0"/>
+                <a:alphaOff val="0"/>
+                <a:shade val="93000"/>
+                <a:satMod val="130000"/>
+              </a:schemeClr>
+            </a:gs>
+            <a:gs pos="100000">
+              <a:schemeClr val="accent1">
+                <a:hueOff val="0"/>
+                <a:satOff val="0"/>
+                <a:lumOff val="0"/>
+                <a:alphaOff val="0"/>
+                <a:shade val="94000"/>
+                <a:satMod val="135000"/>
+              </a:schemeClr>
+            </a:gs>
+          </a:gsLst>
+          <a:lin ang="16200000" scaled="0"/>
+        </a:gradFill>
+        <a:ln>
+          <a:noFill/>
+        </a:ln>
+        <a:effectLst>
+          <a:outerShdw blurRad="40000" dist="23000" dir="5400000" rotWithShape="0">
+            <a:srgbClr val="000000">
+              <a:alpha val="35000"/>
+            </a:srgbClr>
+          </a:outerShdw>
+        </a:effectLst>
+      </dsp:spPr>
+      <dsp:style>
+        <a:lnRef idx="0">
+          <a:scrgbClr r="0" g="0" b="0"/>
+        </a:lnRef>
+        <a:fillRef idx="3">
+          <a:scrgbClr r="0" g="0" b="0"/>
+        </a:fillRef>
+        <a:effectRef idx="2">
+          <a:scrgbClr r="0" g="0" b="0"/>
+        </a:effectRef>
+        <a:fontRef idx="minor">
+          <a:schemeClr val="lt1"/>
+        </a:fontRef>
+      </dsp:style>
+      <dsp:txBody>
+        <a:bodyPr spcFirstLastPara="0" vert="horz" wrap="square" lIns="60960" tIns="60960" rIns="60960" bIns="60960" numCol="1" spcCol="1270" anchor="ctr" anchorCtr="0">
+          <a:noAutofit/>
+        </a:bodyPr>
+        <a:lstStyle/>
+        <a:p>
+          <a:pPr lvl="0" algn="ctr" defTabSz="711200">
+            <a:lnSpc>
+              <a:spcPct val="90000"/>
+            </a:lnSpc>
+            <a:spcBef>
+              <a:spcPct val="0"/>
+            </a:spcBef>
+            <a:spcAft>
+              <a:spcPct val="35000"/>
+            </a:spcAft>
+          </a:pPr>
+          <a:r>
+            <a:rPr lang="en-US" sz="1600" kern="1200" dirty="0" smtClean="0"/>
+            <a:t>shapes[5]</a:t>
+          </a:r>
+          <a:endParaRPr lang="en-US" sz="1600" kern="1200" dirty="0"/>
+        </a:p>
+      </dsp:txBody>
+      <dsp:txXfrm>
+        <a:off x="20972" y="868978"/>
+        <a:ext cx="967320" cy="566298"/>
+      </dsp:txXfrm>
+    </dsp:sp>
+    <dsp:sp modelId="{76DBFE1B-4144-9848-BF42-89AD15BEB370}">
+      <dsp:nvSpPr>
+        <dsp:cNvPr id="0" name=""/>
+        <dsp:cNvSpPr/>
+      </dsp:nvSpPr>
+      <dsp:spPr>
+        <a:xfrm>
+          <a:off x="1106166" y="1027810"/>
+          <a:ext cx="212542" cy="248634"/>
+        </a:xfrm>
+        <a:prstGeom prst="rightArrow">
+          <a:avLst>
+            <a:gd name="adj1" fmla="val 60000"/>
+            <a:gd name="adj2" fmla="val 50000"/>
+          </a:avLst>
+        </a:prstGeom>
+        <a:gradFill rotWithShape="0">
+          <a:gsLst>
+            <a:gs pos="0">
+              <a:schemeClr val="accent1">
+                <a:tint val="60000"/>
+                <a:hueOff val="0"/>
+                <a:satOff val="0"/>
+                <a:lumOff val="0"/>
+                <a:alphaOff val="0"/>
+                <a:shade val="51000"/>
+                <a:satMod val="130000"/>
+              </a:schemeClr>
+            </a:gs>
+            <a:gs pos="80000">
+              <a:schemeClr val="accent1">
+                <a:tint val="60000"/>
+                <a:hueOff val="0"/>
+                <a:satOff val="0"/>
+                <a:lumOff val="0"/>
+                <a:alphaOff val="0"/>
+                <a:shade val="93000"/>
+                <a:satMod val="130000"/>
+              </a:schemeClr>
+            </a:gs>
+            <a:gs pos="100000">
+              <a:schemeClr val="accent1">
+                <a:tint val="60000"/>
+                <a:hueOff val="0"/>
+                <a:satOff val="0"/>
+                <a:lumOff val="0"/>
+                <a:alphaOff val="0"/>
+                <a:shade val="94000"/>
+                <a:satMod val="135000"/>
+              </a:schemeClr>
+            </a:gs>
+          </a:gsLst>
+          <a:lin ang="16200000" scaled="0"/>
+        </a:gradFill>
+        <a:ln>
+          <a:noFill/>
+        </a:ln>
+        <a:effectLst>
+          <a:outerShdw blurRad="40000" dist="23000" dir="5400000" rotWithShape="0">
+            <a:srgbClr val="000000">
+              <a:alpha val="35000"/>
+            </a:srgbClr>
+          </a:outerShdw>
+        </a:effectLst>
+      </dsp:spPr>
+      <dsp:style>
+        <a:lnRef idx="0">
+          <a:scrgbClr r="0" g="0" b="0"/>
+        </a:lnRef>
+        <a:fillRef idx="3">
+          <a:scrgbClr r="0" g="0" b="0"/>
+        </a:fillRef>
+        <a:effectRef idx="2">
+          <a:scrgbClr r="0" g="0" b="0"/>
+        </a:effectRef>
+        <a:fontRef idx="minor">
+          <a:schemeClr val="lt1"/>
+        </a:fontRef>
+      </dsp:style>
+      <dsp:txBody>
+        <a:bodyPr spcFirstLastPara="0" vert="horz" wrap="square" lIns="0" tIns="0" rIns="0" bIns="0" numCol="1" spcCol="1270" anchor="ctr" anchorCtr="0">
+          <a:noAutofit/>
+        </a:bodyPr>
+        <a:lstStyle/>
+        <a:p>
+          <a:pPr lvl="0" algn="ctr" defTabSz="444500">
+            <a:lnSpc>
+              <a:spcPct val="90000"/>
+            </a:lnSpc>
+            <a:spcBef>
+              <a:spcPct val="0"/>
+            </a:spcBef>
+            <a:spcAft>
+              <a:spcPct val="35000"/>
+            </a:spcAft>
+          </a:pPr>
+          <a:endParaRPr lang="en-US" sz="1000" kern="1200"/>
+        </a:p>
+      </dsp:txBody>
+      <dsp:txXfrm>
+        <a:off x="1106166" y="1077537"/>
+        <a:ext cx="148779" cy="149180"/>
+      </dsp:txXfrm>
+    </dsp:sp>
+    <dsp:sp modelId="{A998EA2A-9166-EA4D-AD00-C84E18DA4D0C}">
+      <dsp:nvSpPr>
+        <dsp:cNvPr id="0" name=""/>
+        <dsp:cNvSpPr/>
+      </dsp:nvSpPr>
+      <dsp:spPr>
+        <a:xfrm>
+          <a:off x="1406933" y="851360"/>
+          <a:ext cx="1002556" cy="601534"/>
+        </a:xfrm>
+        <a:prstGeom prst="roundRect">
+          <a:avLst>
+            <a:gd name="adj" fmla="val 10000"/>
+          </a:avLst>
+        </a:prstGeom>
+        <a:gradFill rotWithShape="0">
+          <a:gsLst>
+            <a:gs pos="0">
+              <a:schemeClr val="accent1">
+                <a:hueOff val="0"/>
+                <a:satOff val="0"/>
+                <a:lumOff val="0"/>
+                <a:alphaOff val="0"/>
+                <a:shade val="51000"/>
+                <a:satMod val="130000"/>
+              </a:schemeClr>
+            </a:gs>
+            <a:gs pos="80000">
+              <a:schemeClr val="accent1">
+                <a:hueOff val="0"/>
+                <a:satOff val="0"/>
+                <a:lumOff val="0"/>
+                <a:alphaOff val="0"/>
+                <a:shade val="93000"/>
+                <a:satMod val="130000"/>
+              </a:schemeClr>
+            </a:gs>
+            <a:gs pos="100000">
+              <a:schemeClr val="accent1">
+                <a:hueOff val="0"/>
+                <a:satOff val="0"/>
+                <a:lumOff val="0"/>
+                <a:alphaOff val="0"/>
+                <a:shade val="94000"/>
+                <a:satMod val="135000"/>
+              </a:schemeClr>
+            </a:gs>
+          </a:gsLst>
+          <a:lin ang="16200000" scaled="0"/>
+        </a:gradFill>
+        <a:ln>
+          <a:noFill/>
+        </a:ln>
+        <a:effectLst>
+          <a:outerShdw blurRad="40000" dist="23000" dir="5400000" rotWithShape="0">
+            <a:srgbClr val="000000">
+              <a:alpha val="35000"/>
+            </a:srgbClr>
+          </a:outerShdw>
+        </a:effectLst>
+      </dsp:spPr>
+      <dsp:style>
+        <a:lnRef idx="0">
+          <a:scrgbClr r="0" g="0" b="0"/>
+        </a:lnRef>
+        <a:fillRef idx="3">
+          <a:scrgbClr r="0" g="0" b="0"/>
+        </a:fillRef>
+        <a:effectRef idx="2">
+          <a:scrgbClr r="0" g="0" b="0"/>
+        </a:effectRef>
+        <a:fontRef idx="minor">
+          <a:schemeClr val="lt1"/>
+        </a:fontRef>
+      </dsp:style>
+      <dsp:txBody>
+        <a:bodyPr spcFirstLastPara="0" vert="horz" wrap="square" lIns="60960" tIns="60960" rIns="60960" bIns="60960" numCol="1" spcCol="1270" anchor="ctr" anchorCtr="0">
+          <a:noAutofit/>
+        </a:bodyPr>
+        <a:lstStyle/>
+        <a:p>
+          <a:pPr lvl="0" algn="ctr" defTabSz="711200">
+            <a:lnSpc>
+              <a:spcPct val="90000"/>
+            </a:lnSpc>
+            <a:spcBef>
+              <a:spcPct val="0"/>
+            </a:spcBef>
+            <a:spcAft>
+              <a:spcPct val="35000"/>
+            </a:spcAft>
+          </a:pPr>
+          <a:r>
+            <a:rPr lang="en-US" sz="1600" kern="1200" dirty="0" smtClean="0"/>
+            <a:t> </a:t>
+          </a:r>
+          <a:endParaRPr lang="en-US" sz="1600" kern="1200" dirty="0"/>
+        </a:p>
+      </dsp:txBody>
+      <dsp:txXfrm>
+        <a:off x="1424551" y="868978"/>
+        <a:ext cx="967320" cy="566298"/>
+      </dsp:txXfrm>
+    </dsp:sp>
+    <dsp:sp modelId="{D7E6BFD9-07A3-C64B-9399-EE30EC59A042}">
+      <dsp:nvSpPr>
+        <dsp:cNvPr id="0" name=""/>
+        <dsp:cNvSpPr/>
+      </dsp:nvSpPr>
+      <dsp:spPr>
+        <a:xfrm>
+          <a:off x="2509746" y="1027810"/>
+          <a:ext cx="212542" cy="248634"/>
+        </a:xfrm>
+        <a:prstGeom prst="rightArrow">
+          <a:avLst>
+            <a:gd name="adj1" fmla="val 60000"/>
+            <a:gd name="adj2" fmla="val 50000"/>
+          </a:avLst>
+        </a:prstGeom>
+        <a:gradFill rotWithShape="0">
+          <a:gsLst>
+            <a:gs pos="0">
+              <a:schemeClr val="accent1">
+                <a:tint val="60000"/>
+                <a:hueOff val="0"/>
+                <a:satOff val="0"/>
+                <a:lumOff val="0"/>
+                <a:alphaOff val="0"/>
+                <a:shade val="51000"/>
+                <a:satMod val="130000"/>
+              </a:schemeClr>
+            </a:gs>
+            <a:gs pos="80000">
+              <a:schemeClr val="accent1">
+                <a:tint val="60000"/>
+                <a:hueOff val="0"/>
+                <a:satOff val="0"/>
+                <a:lumOff val="0"/>
+                <a:alphaOff val="0"/>
+                <a:shade val="93000"/>
+                <a:satMod val="130000"/>
+              </a:schemeClr>
+            </a:gs>
+            <a:gs pos="100000">
+              <a:schemeClr val="accent1">
+                <a:tint val="60000"/>
+                <a:hueOff val="0"/>
+                <a:satOff val="0"/>
+                <a:lumOff val="0"/>
+                <a:alphaOff val="0"/>
+                <a:shade val="94000"/>
+                <a:satMod val="135000"/>
+              </a:schemeClr>
+            </a:gs>
+          </a:gsLst>
+          <a:lin ang="16200000" scaled="0"/>
+        </a:gradFill>
+        <a:ln>
+          <a:noFill/>
+        </a:ln>
+        <a:effectLst>
+          <a:outerShdw blurRad="40000" dist="23000" dir="5400000" rotWithShape="0">
+            <a:srgbClr val="000000">
+              <a:alpha val="35000"/>
+            </a:srgbClr>
+          </a:outerShdw>
+        </a:effectLst>
+      </dsp:spPr>
+      <dsp:style>
+        <a:lnRef idx="0">
+          <a:scrgbClr r="0" g="0" b="0"/>
+        </a:lnRef>
+        <a:fillRef idx="3">
+          <a:scrgbClr r="0" g="0" b="0"/>
+        </a:fillRef>
+        <a:effectRef idx="2">
+          <a:scrgbClr r="0" g="0" b="0"/>
+        </a:effectRef>
+        <a:fontRef idx="minor">
+          <a:schemeClr val="lt1"/>
+        </a:fontRef>
+      </dsp:style>
+      <dsp:txBody>
+        <a:bodyPr spcFirstLastPara="0" vert="horz" wrap="square" lIns="0" tIns="0" rIns="0" bIns="0" numCol="1" spcCol="1270" anchor="ctr" anchorCtr="0">
+          <a:noAutofit/>
+        </a:bodyPr>
+        <a:lstStyle/>
+        <a:p>
+          <a:pPr lvl="0" algn="ctr" defTabSz="444500">
+            <a:lnSpc>
+              <a:spcPct val="90000"/>
+            </a:lnSpc>
+            <a:spcBef>
+              <a:spcPct val="0"/>
+            </a:spcBef>
+            <a:spcAft>
+              <a:spcPct val="35000"/>
+            </a:spcAft>
+          </a:pPr>
+          <a:endParaRPr lang="en-US" sz="1000" kern="1200"/>
+        </a:p>
+      </dsp:txBody>
+      <dsp:txXfrm>
+        <a:off x="2509746" y="1077537"/>
+        <a:ext cx="148779" cy="149180"/>
+      </dsp:txXfrm>
+    </dsp:sp>
+    <dsp:sp modelId="{A7CEAFEB-AFA1-0349-AD09-A062A478B8A0}">
+      <dsp:nvSpPr>
+        <dsp:cNvPr id="0" name=""/>
+        <dsp:cNvSpPr/>
+      </dsp:nvSpPr>
+      <dsp:spPr>
+        <a:xfrm>
+          <a:off x="2810513" y="851360"/>
+          <a:ext cx="1002556" cy="601534"/>
+        </a:xfrm>
+        <a:prstGeom prst="roundRect">
+          <a:avLst>
+            <a:gd name="adj" fmla="val 10000"/>
+          </a:avLst>
+        </a:prstGeom>
+        <a:gradFill rotWithShape="0">
+          <a:gsLst>
+            <a:gs pos="0">
+              <a:schemeClr val="accent1">
+                <a:hueOff val="0"/>
+                <a:satOff val="0"/>
+                <a:lumOff val="0"/>
+                <a:alphaOff val="0"/>
+                <a:shade val="51000"/>
+                <a:satMod val="130000"/>
+              </a:schemeClr>
+            </a:gs>
+            <a:gs pos="80000">
+              <a:schemeClr val="accent1">
+                <a:hueOff val="0"/>
+                <a:satOff val="0"/>
+                <a:lumOff val="0"/>
+                <a:alphaOff val="0"/>
+                <a:shade val="93000"/>
+                <a:satMod val="130000"/>
+              </a:schemeClr>
+            </a:gs>
+            <a:gs pos="100000">
+              <a:schemeClr val="accent1">
+                <a:hueOff val="0"/>
+                <a:satOff val="0"/>
+                <a:lumOff val="0"/>
+                <a:alphaOff val="0"/>
+                <a:shade val="94000"/>
+                <a:satMod val="135000"/>
+              </a:schemeClr>
+            </a:gs>
+          </a:gsLst>
+          <a:lin ang="16200000" scaled="0"/>
+        </a:gradFill>
+        <a:ln>
+          <a:noFill/>
+        </a:ln>
+        <a:effectLst>
+          <a:outerShdw blurRad="40000" dist="23000" dir="5400000" rotWithShape="0">
+            <a:srgbClr val="000000">
+              <a:alpha val="35000"/>
+            </a:srgbClr>
+          </a:outerShdw>
+        </a:effectLst>
+      </dsp:spPr>
+      <dsp:style>
+        <a:lnRef idx="0">
+          <a:scrgbClr r="0" g="0" b="0"/>
+        </a:lnRef>
+        <a:fillRef idx="3">
+          <a:scrgbClr r="0" g="0" b="0"/>
+        </a:fillRef>
+        <a:effectRef idx="2">
+          <a:scrgbClr r="0" g="0" b="0"/>
+        </a:effectRef>
+        <a:fontRef idx="minor">
+          <a:schemeClr val="lt1"/>
+        </a:fontRef>
+      </dsp:style>
+      <dsp:txBody>
+        <a:bodyPr spcFirstLastPara="0" vert="horz" wrap="square" lIns="60960" tIns="60960" rIns="60960" bIns="60960" numCol="1" spcCol="1270" anchor="ctr" anchorCtr="0">
+          <a:noAutofit/>
+        </a:bodyPr>
+        <a:lstStyle/>
+        <a:p>
+          <a:pPr lvl="0" algn="ctr" defTabSz="711200">
+            <a:lnSpc>
+              <a:spcPct val="90000"/>
+            </a:lnSpc>
+            <a:spcBef>
+              <a:spcPct val="0"/>
+            </a:spcBef>
+            <a:spcAft>
+              <a:spcPct val="35000"/>
+            </a:spcAft>
+          </a:pPr>
+          <a:r>
+            <a:rPr lang="en-US" sz="1600" kern="1200" dirty="0" smtClean="0"/>
+            <a:t> Smart Art</a:t>
+          </a:r>
+          <a:endParaRPr lang="en-US" sz="1600" kern="1200" dirty="0"/>
+        </a:p>
+      </dsp:txBody>
+      <dsp:txXfrm>
+        <a:off x="2828131" y="868978"/>
+        <a:ext cx="967320" cy="566298"/>
+      </dsp:txXfrm>
+    </dsp:sp>
+  </dsp:spTree>
+</dsp:drawing>
+</file>
+
+<file path=ppt/diagrams/layout1.xml><?xml version="1.0" encoding="utf-8"?>
+<dgm:layoutDef xmlns:dgm="http://schemas.openxmlformats.org/drawingml/2006/diagram" xmlns:a="http://schemas.openxmlformats.org/drawingml/2006/main" uniqueId="urn:microsoft.com/office/officeart/2005/8/layout/process1">
+  <dgm:title val=""/>
+  <dgm:desc val=""/>
+  <dgm:catLst>
+    <dgm:cat type="process" pri="1000"/>
+    <dgm:cat type="convert" pri="15000"/>
+  </dgm:catLst>
+  <dgm:sampData useDef="1">
+    <dgm:dataModel>
+      <dgm:ptLst/>
+      <dgm:bg/>
+      <dgm:whole/>
+    </dgm:dataModel>
+  </dgm:sampData>
+  <dgm:styleData>
+    <dgm:dataModel>
+      <dgm:ptLst>
+        <dgm:pt modelId="0" type="doc"/>
+        <dgm:pt modelId="1"/>
+        <dgm:pt modelId="2"/>
+      </dgm:ptLst>
+      <dgm:cxnLst>
+        <dgm:cxn modelId="3" srcId="0" destId="1" srcOrd="0" destOrd="0"/>
+        <dgm:cxn modelId="4" srcId="0" destId="2" srcOrd="1" destOrd="0"/>
+      </dgm:cxnLst>
+      <dgm:bg/>
+      <dgm:whole/>
+    </dgm:dataModel>
+  </dgm:styleData>
+  <dgm:clrData>
+    <dgm:dataModel>
+      <dgm:ptLst>
+        <dgm:pt modelId="0" type="doc"/>
+        <dgm:pt modelId="1"/>
+        <dgm:pt modelId="2"/>
+        <dgm:pt modelId="3"/>
+        <dgm:pt modelId="4"/>
+      </dgm:ptLst>
+      <dgm:cxnLst>
+        <dgm:cxn modelId="5" srcId="0" destId="1" srcOrd="0" destOrd="0"/>
+        <dgm:cxn modelId="6" srcId="0" destId="2" srcOrd="1" destOrd="0"/>
+        <dgm:cxn modelId="7" srcId="0" destId="3" srcOrd="2" destOrd="0"/>
+        <dgm:cxn modelId="8" srcId="0" destId="4" srcOrd="3" destOrd="0"/>
+      </dgm:cxnLst>
+      <dgm:bg/>
+      <dgm:whole/>
+    </dgm:dataModel>
+  </dgm:clrData>
+  <dgm:layoutNode name="Name0">
+    <dgm:varLst>
+      <dgm:dir/>
+      <dgm:resizeHandles val="exact"/>
+    </dgm:varLst>
+    <dgm:choose name="Name1">
+      <dgm:if name="Name2" func="var" arg="dir" op="equ" val="norm">
+        <dgm:alg type="lin"/>
+      </dgm:if>
+      <dgm:else name="Name3">
+        <dgm:alg type="lin">
+          <dgm:param type="linDir" val="fromR"/>
+        </dgm:alg>
+      </dgm:else>
+    </dgm:choose>
+    <dgm:shape xmlns:r="http://schemas.openxmlformats.org/officeDocument/2006/relationships" r:blip="">
+      <dgm:adjLst/>
+    </dgm:shape>
+    <dgm:presOf/>
+    <dgm:constrLst>
+      <dgm:constr type="w" for="ch" ptType="node" refType="w"/>
+      <dgm:constr type="h" for="ch" ptType="node" op="equ"/>
+      <dgm:constr type="primFontSz" for="ch" ptType="node" op="equ" val="65"/>
+      <dgm:constr type="w" for="ch" ptType="sibTrans" refType="w" refFor="ch" refPtType="node" op="equ" fact="0.4"/>
+      <dgm:constr type="h" for="ch" ptType="sibTrans" op="equ"/>
+      <dgm:constr type="primFontSz" for="des" forName="connectorText" op="equ" val="55"/>
+      <dgm:constr type="primFontSz" for="des" forName="connectorText" refType="primFontSz" refFor="ch" refPtType="node" op="lte" fact="0.8"/>
+    </dgm:constrLst>
+    <dgm:ruleLst/>
+    <dgm:forEach name="nodesForEach" axis="ch" ptType="node">
+      <dgm:layoutNode name="node">
+        <dgm:varLst>
+          <dgm:bulletEnabled val="1"/>
+        </dgm:varLst>
+        <dgm:alg type="tx"/>
+        <dgm:shape xmlns:r="http://schemas.openxmlformats.org/officeDocument/2006/relationships" type="roundRect" r:blip="">
+          <dgm:adjLst>
+            <dgm:adj idx="1" val="0.1"/>
+          </dgm:adjLst>
+        </dgm:shape>
+        <dgm:presOf axis="desOrSelf" ptType="node"/>
+        <dgm:constrLst>
+          <dgm:constr type="h" refType="w" fact="0.6"/>
+          <dgm:constr type="tMarg" refType="primFontSz" fact="0.3"/>
+          <dgm:constr type="bMarg" refType="primFontSz" fact="0.3"/>
+          <dgm:constr type="lMarg" refType="primFontSz" fact="0.3"/>
+          <dgm:constr type="rMarg" refType="primFontSz" fact="0.3"/>
+        </dgm:constrLst>
+        <dgm:ruleLst>
+          <dgm:rule type="primFontSz" val="18" fact="NaN" max="NaN"/>
+          <dgm:rule type="h" val="NaN" fact="1.5" max="NaN"/>
+          <dgm:rule type="primFontSz" val="5" fact="NaN" max="NaN"/>
+          <dgm:rule type="h" val="INF" fact="NaN" max="NaN"/>
+        </dgm:ruleLst>
+      </dgm:layoutNode>
+      <dgm:forEach name="sibTransForEach" axis="followSib" ptType="sibTrans" cnt="1">
+        <dgm:layoutNode name="sibTrans">
+          <dgm:alg type="conn">
+            <dgm:param type="begPts" val="auto"/>
+            <dgm:param type="endPts" val="auto"/>
+          </dgm:alg>
+          <dgm:shape xmlns:r="http://schemas.openxmlformats.org/officeDocument/2006/relationships" type="conn" r:blip="">
+            <dgm:adjLst/>
+          </dgm:shape>
+          <dgm:presOf axis="self"/>
+          <dgm:constrLst>
+            <dgm:constr type="h" refType="w" fact="0.62"/>
+            <dgm:constr type="connDist"/>
+            <dgm:constr type="begPad" refType="connDist" fact="0.25"/>
+            <dgm:constr type="endPad" refType="connDist" fact="0.22"/>
+          </dgm:constrLst>
+          <dgm:ruleLst/>
+          <dgm:layoutNode name="connectorText">
+            <dgm:alg type="tx">
+              <dgm:param type="autoTxRot" val="grav"/>
+            </dgm:alg>
+            <dgm:shape xmlns:r="http://schemas.openxmlformats.org/officeDocument/2006/relationships" type="conn" r:blip="" hideGeom="1">
+              <dgm:adjLst/>
+            </dgm:shape>
+            <dgm:presOf axis="self"/>
+            <dgm:constrLst>
+              <dgm:constr type="lMarg"/>
+              <dgm:constr type="rMarg"/>
+              <dgm:constr type="tMarg"/>
+              <dgm:constr type="bMarg"/>
+            </dgm:constrLst>
+            <dgm:ruleLst>
+              <dgm:rule type="primFontSz" val="5" fact="NaN" max="NaN"/>
+            </dgm:ruleLst>
+          </dgm:layoutNode>
+        </dgm:layoutNode>
+      </dgm:forEach>
+    </dgm:forEach>
+  </dgm:layoutNode>
+</dgm:layoutDef>
+</file>
+
+<file path=ppt/diagrams/quickStyle1.xml><?xml version="1.0" encoding="utf-8"?>
+<dgm:styleDef xmlns:dgm="http://schemas.openxmlformats.org/drawingml/2006/diagram" xmlns:a="http://schemas.openxmlformats.org/drawingml/2006/main" uniqueId="urn:microsoft.com/office/officeart/2005/8/quickstyle/simple4">
+  <dgm:title val=""/>
+  <dgm:desc val=""/>
+  <dgm:catLst>
+    <dgm:cat type="simple" pri="10400"/>
+  </dgm:catLst>
+  <dgm:scene3d>
+    <a:camera prst="orthographicFront"/>
+    <a:lightRig rig="threePt" dir="t"/>
+  </dgm:scene3d>
+  <dgm:styleLbl name="node0">
+    <dgm:scene3d>
+      <a:camera prst="orthographicFront"/>
+      <a:lightRig rig="threePt" dir="t"/>
+    </dgm:scene3d>
+    <dgm:sp3d/>
+    <dgm:txPr/>
+    <dgm:style>
+      <a:lnRef idx="0">
+        <a:scrgbClr r="0" g="0" b="0"/>
+      </a:lnRef>
+      <a:fillRef idx="3">
+        <a:scrgbClr r="0" g="0" b="0"/>
+      </a:fillRef>
+      <a:effectRef idx="2">
+        <a:scrgbClr r="0" g="0" b="0"/>
+      </a:effectRef>
+      <a:fontRef idx="minor">
+        <a:schemeClr val="lt1"/>
+      </a:fontRef>
+    </dgm:style>
+  </dgm:styleLbl>
+  <dgm:styleLbl name="lnNode1">
+    <dgm:scene3d>
+      <a:camera prst="orthographicFront"/>
+      <a:lightRig rig="threePt" dir="t"/>
+    </dgm:scene3d>
+    <dgm:sp3d/>
+    <dgm:txPr/>
+    <dgm:style>
+      <a:lnRef idx="1">
+        <a:scrgbClr r="0" g="0" b="0"/>
+      </a:lnRef>
+      <a:fillRef idx="3">
+        <a:scrgbClr r="0" g="0" b="0"/>
+      </a:fillRef>
+      <a:effectRef idx="2">
+        <a:scrgbClr r="0" g="0" b="0"/>
+      </a:effectRef>
+      <a:fontRef idx="minor">
+        <a:schemeClr val="lt1"/>
+      </a:fontRef>
+    </dgm:style>
+  </dgm:styleLbl>
+  <dgm:styleLbl name="vennNode1">
+    <dgm:scene3d>
+      <a:camera prst="orthographicFront"/>
+      <a:lightRig rig="threePt" dir="t"/>
+    </dgm:scene3d>
+    <dgm:sp3d/>
+    <dgm:txPr/>
+    <dgm:style>
+      <a:lnRef idx="0">
+        <a:scrgbClr r="0" g="0" b="0"/>
+      </a:lnRef>
+      <a:fillRef idx="3">
+        <a:scrgbClr r="0" g="0" b="0"/>
+      </a:fillRef>
+      <a:effectRef idx="0">
+        <a:scrgbClr r="0" g="0" b="0"/>
+      </a:effectRef>
+      <a:fontRef idx="minor">
+        <a:schemeClr val="tx1"/>
+      </a:fontRef>
+    </dgm:style>
+  </dgm:styleLbl>
+  <dgm:styleLbl name="alignNode1">
+    <dgm:scene3d>
+      <a:camera prst="orthographicFront"/>
+      <a:lightRig rig="threePt" dir="t"/>
+    </dgm:scene3d>
+    <dgm:sp3d/>
+    <dgm:txPr/>
+    <dgm:style>
+      <a:lnRef idx="1">
+        <a:scrgbClr r="0" g="0" b="0"/>
+      </a:lnRef>
+      <a:fillRef idx="3">
+        <a:scrgbClr r="0" g="0" b="0"/>
+      </a:fillRef>
+      <a:effectRef idx="2">
+        <a:scrgbClr r="0" g="0" b="0"/>
+      </a:effectRef>
+      <a:fontRef idx="minor">
+        <a:schemeClr val="lt1"/>
+      </a:fontRef>
+    </dgm:style>
+  </dgm:styleLbl>
+  <dgm:styleLbl name="node1">
+    <dgm:scene3d>
+      <a:camera prst="orthographicFront"/>
+      <a:lightRig rig="threePt" dir="t"/>
+    </dgm:scene3d>
+    <dgm:sp3d/>
+    <dgm:txPr/>
+    <dgm:style>
+      <a:lnRef idx="0">
+        <a:scrgbClr r="0" g="0" b="0"/>
+      </a:lnRef>
+      <a:fillRef idx="3">
+        <a:scrgbClr r="0" g="0" b="0"/>
+      </a:fillRef>
+      <a:effectRef idx="2">
+        <a:scrgbClr r="0" g="0" b="0"/>
+      </a:effectRef>
+      <a:fontRef idx="minor">
+        <a:schemeClr val="lt1"/>
+      </a:fontRef>
+    </dgm:style>
+  </dgm:styleLbl>
+  <dgm:styleLbl name="node2">
+    <dgm:scene3d>
+      <a:camera prst="orthographicFront"/>
+      <a:lightRig rig="threePt" dir="t"/>
+    </dgm:scene3d>
+    <dgm:sp3d/>
+    <dgm:txPr/>
+    <dgm:style>
+      <a:lnRef idx="0">
+        <a:scrgbClr r="0" g="0" b="0"/>
+      </a:lnRef>
+      <a:fillRef idx="3">
+        <a:scrgbClr r="0" g="0" b="0"/>
+      </a:fillRef>
+      <a:effectRef idx="2">
+        <a:scrgbClr r="0" g="0" b="0"/>
+      </a:effectRef>
+      <a:fontRef idx="minor">
+        <a:schemeClr val="lt1"/>
+      </a:fontRef>
+    </dgm:style>
+  </dgm:styleLbl>
+  <dgm:styleLbl name="node3">
+    <dgm:scene3d>
+      <a:camera prst="orthographicFront"/>
+      <a:lightRig rig="threePt" dir="t"/>
+    </dgm:scene3d>
+    <dgm:sp3d/>
+    <dgm:txPr/>
+    <dgm:style>
+      <a:lnRef idx="0">
+        <a:scrgbClr r="0" g="0" b="0"/>
+      </a:lnRef>
+      <a:fillRef idx="3">
+        <a:scrgbClr r="0" g="0" b="0"/>
+      </a:fillRef>
+      <a:effectRef idx="2">
+        <a:scrgbClr r="0" g="0" b="0"/>
+      </a:effectRef>
+      <a:fontRef idx="minor">
+        <a:schemeClr val="lt1"/>
+      </a:fontRef>
+    </dgm:style>
+  </dgm:styleLbl>
+  <dgm:styleLbl name="node4">
+    <dgm:scene3d>
+      <a:camera prst="orthographicFront"/>
+      <a:lightRig rig="threePt" dir="t"/>
+    </dgm:scene3d>
+    <dgm:sp3d/>
+    <dgm:txPr/>
+    <dgm:style>
+      <a:lnRef idx="0">
+        <a:scrgbClr r="0" g="0" b="0"/>
+      </a:lnRef>
+      <a:fillRef idx="3">
+        <a:scrgbClr r="0" g="0" b="0"/>
+      </a:fillRef>
+      <a:effectRef idx="2">
+        <a:scrgbClr r="0" g="0" b="0"/>
+      </a:effectRef>
+      <a:fontRef idx="minor">
+        <a:schemeClr val="lt1"/>
+      </a:fontRef>
+    </dgm:style>
+  </dgm:styleLbl>
+  <dgm:styleLbl name="fgImgPlace1">
+    <dgm:scene3d>
+      <a:camera prst="orthographicFront"/>
+      <a:lightRig rig="threePt" dir="t"/>
+    </dgm:scene3d>
+    <dgm:sp3d/>
+    <dgm:txPr/>
+    <dgm:style>
+      <a:lnRef idx="0">
+        <a:scrgbClr r="0" g="0" b="0"/>
+      </a:lnRef>
+      <a:fillRef idx="1">
+        <a:scrgbClr r="0" g="0" b="0"/>
+      </a:fillRef>
+      <a:effectRef idx="2">
+        <a:scrgbClr r="0" g="0" b="0"/>
+      </a:effectRef>
+      <a:fontRef idx="minor"/>
+    </dgm:style>
+  </dgm:styleLbl>
+  <dgm:styleLbl name="alignImgPlace1">
+    <dgm:scene3d>
+      <a:camera prst="orthographicFront"/>
+      <a:lightRig rig="threePt" dir="t"/>
+    </dgm:scene3d>
+    <dgm:sp3d/>
+    <dgm:txPr/>
+    <dgm:style>
+      <a:lnRef idx="0">
+        <a:scrgbClr r="0" g="0" b="0"/>
+      </a:lnRef>
+      <a:fillRef idx="1">
+        <a:scrgbClr r="0" g="0" b="0"/>
+      </a:fillRef>
+      <a:effectRef idx="2">
+        <a:scrgbClr r="0" g="0" b="0"/>
+      </a:effectRef>
+      <a:fontRef idx="minor"/>
+    </dgm:style>
+  </dgm:styleLbl>
+  <dgm:styleLbl name="bgImgPlace1">
+    <dgm:scene3d>
+      <a:camera prst="orthographicFront"/>
+      <a:lightRig rig="threePt" dir="t"/>
+    </dgm:scene3d>
+    <dgm:sp3d/>
+    <dgm:txPr/>
+    <dgm:style>
+      <a:lnRef idx="0">
+        <a:scrgbClr r="0" g="0" b="0"/>
+      </a:lnRef>
+      <a:fillRef idx="1">
+        <a:scrgbClr r="0" g="0" b="0"/>
+      </a:fillRef>
+      <a:effectRef idx="2">
+        <a:scrgbClr r="0" g="0" b="0"/>
+      </a:effectRef>
+      <a:fontRef idx="minor"/>
+    </dgm:style>
+  </dgm:styleLbl>
+  <dgm:styleLbl name="sibTrans2D1">
+    <dgm:scene3d>
+      <a:camera prst="orthographicFront"/>
+      <a:lightRig rig="threePt" dir="t"/>
+    </dgm:scene3d>
+    <dgm:sp3d/>
+    <dgm:txPr/>
+    <dgm:style>
+      <a:lnRef idx="0">
+        <a:scrgbClr r="0" g="0" b="0"/>
+      </a:lnRef>
+      <a:fillRef idx="3">
+        <a:scrgbClr r="0" g="0" b="0"/>
+      </a:fillRef>
+      <a:effectRef idx="2">
+        <a:scrgbClr r="0" g="0" b="0"/>
+      </a:effectRef>
+      <a:fontRef idx="minor">
+        <a:schemeClr val="lt1"/>
+      </a:fontRef>
+    </dgm:style>
+  </dgm:styleLbl>
+  <dgm:styleLbl name="fgSibTrans2D1">
+    <dgm:scene3d>
+      <a:camera prst="orthographicFront"/>
+      <a:lightRig rig="threePt" dir="t"/>
+    </dgm:scene3d>
+    <dgm:sp3d/>
+    <dgm:txPr/>
+    <dgm:style>
+      <a:lnRef idx="0">
+        <a:scrgbClr r="0" g="0" b="0"/>
+      </a:lnRef>
+      <a:fillRef idx="3">
+        <a:scrgbClr r="0" g="0" b="0"/>
+      </a:fillRef>
+      <a:effectRef idx="2">
+        <a:scrgbClr r="0" g="0" b="0"/>
+      </a:effectRef>
+      <a:fontRef idx="minor">
+        <a:schemeClr val="lt1"/>
+      </a:fontRef>
+    </dgm:style>
+  </dgm:styleLbl>
+  <dgm:styleLbl name="bgSibTrans2D1">
+    <dgm:scene3d>
+      <a:camera prst="orthographicFront"/>
+      <a:lightRig rig="threePt" dir="t"/>
+    </dgm:scene3d>
+    <dgm:sp3d/>
+    <dgm:txPr/>
+    <dgm:style>
+      <a:lnRef idx="0">
+        <a:scrgbClr r="0" g="0" b="0"/>
+      </a:lnRef>
+      <a:fillRef idx="3">
+        <a:scrgbClr r="0" g="0" b="0"/>
+      </a:fillRef>
+      <a:effectRef idx="2">
+        <a:scrgbClr r="0" g="0" b="0"/>
+      </a:effectRef>
+      <a:fontRef idx="minor">
+        <a:schemeClr val="lt1"/>
+      </a:fontRef>
+    </dgm:style>
+  </dgm:styleLbl>
+  <dgm:styleLbl name="sibTrans1D1">
+    <dgm:scene3d>
+      <a:camera prst="orthographicFront"/>
+      <a:lightRig rig="threePt" dir="t"/>
+    </dgm:scene3d>
+    <dgm:sp3d/>
+    <dgm:txPr/>
+    <dgm:style>
+      <a:lnRef idx="1">
+        <a:scrgbClr r="0" g="0" b="0"/>
+      </a:lnRef>
+      <a:fillRef idx="0">
+        <a:scrgbClr r="0" g="0" b="0"/>
+      </a:fillRef>
+      <a:effectRef idx="0">
+        <a:scrgbClr r="0" g="0" b="0"/>
+      </a:effectRef>
+      <a:fontRef idx="minor"/>
+    </dgm:style>
+  </dgm:styleLbl>
+  <dgm:styleLbl name="callout">
+    <dgm:scene3d>
+      <a:camera prst="orthographicFront"/>
+      <a:lightRig rig="threePt" dir="t"/>
+    </dgm:scene3d>
+    <dgm:sp3d/>
+    <dgm:txPr/>
+    <dgm:style>
+      <a:lnRef idx="2">
+        <a:scrgbClr r="0" g="0" b="0"/>
+      </a:lnRef>
+      <a:fillRef idx="1">
+        <a:scrgbClr r="0" g="0" b="0"/>
+      </a:fillRef>
+      <a:effectRef idx="1">
+        <a:scrgbClr r="0" g="0" b="0"/>
+      </a:effectRef>
+      <a:fontRef idx="minor"/>
+    </dgm:style>
+  </dgm:styleLbl>
+  <dgm:styleLbl name="asst0">
+    <dgm:scene3d>
+      <a:camera prst="orthographicFront"/>
+      <a:lightRig rig="threePt" dir="t"/>
+    </dgm:scene3d>
+    <dgm:sp3d/>
+    <dgm:txPr/>
+    <dgm:style>
+      <a:lnRef idx="0">
+        <a:scrgbClr r="0" g="0" b="0"/>
+      </a:lnRef>
+      <a:fillRef idx="3">
+        <a:scrgbClr r="0" g="0" b="0"/>
+      </a:fillRef>
+      <a:effectRef idx="2">
+        <a:scrgbClr r="0" g="0" b="0"/>
+      </a:effectRef>
+      <a:fontRef idx="minor">
+        <a:schemeClr val="lt1"/>
+      </a:fontRef>
+    </dgm:style>
+  </dgm:styleLbl>
+  <dgm:styleLbl name="asst1">
+    <dgm:scene3d>
+      <a:camera prst="orthographicFront"/>
+      <a:lightRig rig="threePt" dir="t"/>
+    </dgm:scene3d>
+    <dgm:sp3d/>
+    <dgm:txPr/>
+    <dgm:style>
+      <a:lnRef idx="0">
+        <a:scrgbClr r="0" g="0" b="0"/>
+      </a:lnRef>
+      <a:fillRef idx="3">
+        <a:scrgbClr r="0" g="0" b="0"/>
+      </a:fillRef>
+      <a:effectRef idx="2">
+        <a:scrgbClr r="0" g="0" b="0"/>
+      </a:effectRef>
+      <a:fontRef idx="minor">
+        <a:schemeClr val="lt1"/>
+      </a:fontRef>
+    </dgm:style>
+  </dgm:styleLbl>
+  <dgm:styleLbl name="asst2">
+    <dgm:scene3d>
+      <a:camera prst="orthographicFront"/>
+      <a:lightRig rig="threePt" dir="t"/>
+    </dgm:scene3d>
+    <dgm:sp3d/>
+    <dgm:txPr/>
+    <dgm:style>
+      <a:lnRef idx="0">
+        <a:scrgbClr r="0" g="0" b="0"/>
+      </a:lnRef>
+      <a:fillRef idx="3">
+        <a:scrgbClr r="0" g="0" b="0"/>
+      </a:fillRef>
+      <a:effectRef idx="2">
+        <a:scrgbClr r="0" g="0" b="0"/>
+      </a:effectRef>
+      <a:fontRef idx="minor">
+        <a:schemeClr val="lt1"/>
+      </a:fontRef>
+    </dgm:style>
+  </dgm:styleLbl>
+  <dgm:styleLbl name="asst3">
+    <dgm:scene3d>
+      <a:camera prst="orthographicFront"/>
+      <a:lightRig rig="threePt" dir="t"/>
+    </dgm:scene3d>
+    <dgm:sp3d/>
+    <dgm:txPr/>
+    <dgm:style>
+      <a:lnRef idx="0">
+        <a:scrgbClr r="0" g="0" b="0"/>
+      </a:lnRef>
+      <a:fillRef idx="3">
+        <a:scrgbClr r="0" g="0" b="0"/>
+      </a:fillRef>
+      <a:effectRef idx="2">
+        <a:scrgbClr r="0" g="0" b="0"/>
+      </a:effectRef>
+      <a:fontRef idx="minor">
+        <a:schemeClr val="lt1"/>
+      </a:fontRef>
+    </dgm:style>
+  </dgm:styleLbl>
+  <dgm:styleLbl name="asst4">
+    <dgm:scene3d>
+      <a:camera prst="orthographicFront"/>
+      <a:lightRig rig="threePt" dir="t"/>
+    </dgm:scene3d>
+    <dgm:sp3d/>
+    <dgm:txPr/>
+    <dgm:style>
+      <a:lnRef idx="0">
+        <a:scrgbClr r="0" g="0" b="0"/>
+      </a:lnRef>
+      <a:fillRef idx="3">
+        <a:scrgbClr r="0" g="0" b="0"/>
+      </a:fillRef>
+      <a:effectRef idx="2">
+        <a:scrgbClr r="0" g="0" b="0"/>
+      </a:effectRef>
+      <a:fontRef idx="minor">
+        <a:schemeClr val="lt1"/>
+      </a:fontRef>
+    </dgm:style>
+  </dgm:styleLbl>
+  <dgm:styleLbl name="parChTrans2D1">
+    <dgm:scene3d>
+      <a:camera prst="orthographicFront"/>
+      <a:lightRig rig="threePt" dir="t"/>
+    </dgm:scene3d>
+    <dgm:sp3d/>
+    <dgm:txPr/>
+    <dgm:style>
+      <a:lnRef idx="0">
+        <a:scrgbClr r="0" g="0" b="0"/>
+      </a:lnRef>
+      <a:fillRef idx="3">
+        <a:scrgbClr r="0" g="0" b="0"/>
+      </a:fillRef>
+      <a:effectRef idx="2">
+        <a:scrgbClr r="0" g="0" b="0"/>
+      </a:effectRef>
+      <a:fontRef idx="minor">
+        <a:schemeClr val="lt1"/>
+      </a:fontRef>
+    </dgm:style>
+  </dgm:styleLbl>
+  <dgm:styleLbl name="parChTrans2D2">
+    <dgm:scene3d>
+      <a:camera prst="orthographicFront"/>
+      <a:lightRig rig="threePt" dir="t"/>
+    </dgm:scene3d>
+    <dgm:sp3d/>
+    <dgm:txPr/>
+    <dgm:style>
+      <a:lnRef idx="0">
+        <a:scrgbClr r="0" g="0" b="0"/>
+      </a:lnRef>
+      <a:fillRef idx="3">
+        <a:scrgbClr r="0" g="0" b="0"/>
+      </a:fillRef>
+      <a:effectRef idx="2">
+        <a:scrgbClr r="0" g="0" b="0"/>
+      </a:effectRef>
+      <a:fontRef idx="minor">
+        <a:schemeClr val="lt1"/>
+      </a:fontRef>
+    </dgm:style>
+  </dgm:styleLbl>
+  <dgm:styleLbl name="parChTrans2D3">
+    <dgm:scene3d>
+      <a:camera prst="orthographicFront"/>
+      <a:lightRig rig="threePt" dir="t"/>
+    </dgm:scene3d>
+    <dgm:sp3d/>
+    <dgm:txPr/>
+    <dgm:style>
+      <a:lnRef idx="1">
+        <a:scrgbClr r="0" g="0" b="0"/>
+      </a:lnRef>
+      <a:fillRef idx="3">
+        <a:scrgbClr r="0" g="0" b="0"/>
+      </a:fillRef>
+      <a:effectRef idx="2">
+        <a:scrgbClr r="0" g="0" b="0"/>
+      </a:effectRef>
+      <a:fontRef idx="minor">
+        <a:schemeClr val="lt1"/>
+      </a:fontRef>
+    </dgm:style>
+  </dgm:styleLbl>
+  <dgm:styleLbl name="parChTrans2D4">
+    <dgm:scene3d>
+      <a:camera prst="orthographicFront"/>
+      <a:lightRig rig="threePt" dir="t"/>
+    </dgm:scene3d>
+    <dgm:sp3d/>
+    <dgm:txPr/>
+    <dgm:style>
+      <a:lnRef idx="1">
+        <a:scrgbClr r="0" g="0" b="0"/>
+      </a:lnRef>
+      <a:fillRef idx="3">
+        <a:scrgbClr r="0" g="0" b="0"/>
+      </a:fillRef>
+      <a:effectRef idx="2">
+        <a:scrgbClr r="0" g="0" b="0"/>
+      </a:effectRef>
+      <a:fontRef idx="minor">
+        <a:schemeClr val="lt1"/>
+      </a:fontRef>
+    </dgm:style>
+  </dgm:styleLbl>
+  <dgm:styleLbl name="parChTrans1D1">
+    <dgm:scene3d>
+      <a:camera prst="orthographicFront"/>
+      <a:lightRig rig="threePt" dir="t"/>
+    </dgm:scene3d>
+    <dgm:sp3d/>
+    <dgm:txPr/>
+    <dgm:style>
+      <a:lnRef idx="1">
+        <a:scrgbClr r="0" g="0" b="0"/>
+      </a:lnRef>
+      <a:fillRef idx="0">
+        <a:scrgbClr r="0" g="0" b="0"/>
+      </a:fillRef>
+      <a:effectRef idx="0">
+        <a:scrgbClr r="0" g="0" b="0"/>
+      </a:effectRef>
+      <a:fontRef idx="minor"/>
+    </dgm:style>
+  </dgm:styleLbl>
+  <dgm:styleLbl name="parChTrans1D2">
+    <dgm:scene3d>
+      <a:camera prst="orthographicFront"/>
+      <a:lightRig rig="threePt" dir="t"/>
+    </dgm:scene3d>
+    <dgm:sp3d/>
+    <dgm:txPr/>
+    <dgm:style>
+      <a:lnRef idx="1">
+        <a:scrgbClr r="0" g="0" b="0"/>
+      </a:lnRef>
+      <a:fillRef idx="0">
+        <a:scrgbClr r="0" g="0" b="0"/>
+      </a:fillRef>
+      <a:effectRef idx="0">
+        <a:scrgbClr r="0" g="0" b="0"/>
+      </a:effectRef>
+      <a:fontRef idx="minor"/>
+    </dgm:style>
+  </dgm:styleLbl>
+  <dgm:styleLbl name="parChTrans1D3">
+    <dgm:scene3d>
+      <a:camera prst="orthographicFront"/>
+      <a:lightRig rig="threePt" dir="t"/>
+    </dgm:scene3d>
+    <dgm:sp3d/>
+    <dgm:txPr/>
+    <dgm:style>
+      <a:lnRef idx="1">
+        <a:scrgbClr r="0" g="0" b="0"/>
+      </a:lnRef>
+      <a:fillRef idx="0">
+        <a:scrgbClr r="0" g="0" b="0"/>
+      </a:fillRef>
+      <a:effectRef idx="0">
+        <a:scrgbClr r="0" g="0" b="0"/>
+      </a:effectRef>
+      <a:fontRef idx="minor"/>
+    </dgm:style>
+  </dgm:styleLbl>
+  <dgm:styleLbl name="parChTrans1D4">
+    <dgm:scene3d>
+      <a:camera prst="orthographicFront"/>
+      <a:lightRig rig="threePt" dir="t"/>
+    </dgm:scene3d>
+    <dgm:sp3d/>
+    <dgm:txPr/>
+    <dgm:style>
+      <a:lnRef idx="1">
+        <a:scrgbClr r="0" g="0" b="0"/>
+      </a:lnRef>
+      <a:fillRef idx="0">
+        <a:scrgbClr r="0" g="0" b="0"/>
+      </a:fillRef>
+      <a:effectRef idx="0">
+        <a:scrgbClr r="0" g="0" b="0"/>
+      </a:effectRef>
+      <a:fontRef idx="minor"/>
+    </dgm:style>
+  </dgm:styleLbl>
+  <dgm:styleLbl name="fgAcc1">
+    <dgm:scene3d>
+      <a:camera prst="orthographicFront"/>
+      <a:lightRig rig="threePt" dir="t"/>
+    </dgm:scene3d>
+    <dgm:sp3d/>
+    <dgm:txPr/>
+    <dgm:style>
+      <a:lnRef idx="1">
+        <a:scrgbClr r="0" g="0" b="0"/>
+      </a:lnRef>
+      <a:fillRef idx="1">
+        <a:scrgbClr r="0" g="0" b="0"/>
+      </a:fillRef>
+      <a:effectRef idx="0">
+        <a:scrgbClr r="0" g="0" b="0"/>
+      </a:effectRef>
+      <a:fontRef idx="minor"/>
+    </dgm:style>
+  </dgm:styleLbl>
+  <dgm:styleLbl name="conFgAcc1">
+    <dgm:scene3d>
+      <a:camera prst="orthographicFront"/>
+      <a:lightRig rig="threePt" dir="t"/>
+    </dgm:scene3d>
+    <dgm:sp3d/>
+    <dgm:txPr/>
+    <dgm:style>
+      <a:lnRef idx="1">
+        <a:scrgbClr r="0" g="0" b="0"/>
+      </a:lnRef>
+      <a:fillRef idx="1">
+        <a:scrgbClr r="0" g="0" b="0"/>
+      </a:fillRef>
+      <a:effectRef idx="0">
+        <a:scrgbClr r="0" g="0" b="0"/>
+      </a:effectRef>
+      <a:fontRef idx="minor"/>
+    </dgm:style>
+  </dgm:styleLbl>
+  <dgm:styleLbl name="alignAcc1">
+    <dgm:scene3d>
+      <a:camera prst="orthographicFront"/>
+      <a:lightRig rig="threePt" dir="t"/>
+    </dgm:scene3d>
+    <dgm:sp3d/>
+    <dgm:txPr/>
+    <dgm:style>
+      <a:lnRef idx="1">
+        <a:scrgbClr r="0" g="0" b="0"/>
+      </a:lnRef>
+      <a:fillRef idx="1">
+        <a:scrgbClr r="0" g="0" b="0"/>
+      </a:fillRef>
+      <a:effectRef idx="0">
+        <a:scrgbClr r="0" g="0" b="0"/>
+      </a:effectRef>
+      <a:fontRef idx="minor"/>
+    </dgm:style>
+  </dgm:styleLbl>
+  <dgm:styleLbl name="trAlignAcc1">
+    <dgm:scene3d>
+      <a:camera prst="orthographicFront"/>
+      <a:lightRig rig="threePt" dir="t"/>
+    </dgm:scene3d>
+    <dgm:sp3d/>
+    <dgm:txPr/>
+    <dgm:style>
+      <a:lnRef idx="1">
+        <a:scrgbClr r="0" g="0" b="0"/>
+      </a:lnRef>
+      <a:fillRef idx="1">
+        <a:scrgbClr r="0" g="0" b="0"/>
+      </a:fillRef>
+      <a:effectRef idx="0">
+        <a:scrgbClr r="0" g="0" b="0"/>
+      </a:effectRef>
+      <a:fontRef idx="minor"/>
+    </dgm:style>
+  </dgm:styleLbl>
+  <dgm:styleLbl name="bgAcc1">
+    <dgm:scene3d>
+      <a:camera prst="orthographicFront"/>
+      <a:lightRig rig="threePt" dir="t"/>
+    </dgm:scene3d>
+    <dgm:sp3d/>
+    <dgm:txPr/>
+    <dgm:style>
+      <a:lnRef idx="1">
+        <a:scrgbClr r="0" g="0" b="0"/>
+      </a:lnRef>
+      <a:fillRef idx="1">
+        <a:scrgbClr r="0" g="0" b="0"/>
+      </a:fillRef>
+      <a:effectRef idx="0">
+        <a:scrgbClr r="0" g="0" b="0"/>
+      </a:effectRef>
+      <a:fontRef idx="minor"/>
+    </dgm:style>
+  </dgm:styleLbl>
+  <dgm:styleLbl name="solidFgAcc1">
+    <dgm:scene3d>
+      <a:camera prst="orthographicFront"/>
+      <a:lightRig rig="threePt" dir="t"/>
+    </dgm:scene3d>
+    <dgm:sp3d/>
+    <dgm:txPr/>
+    <dgm:style>
+      <a:lnRef idx="1">
+        <a:scrgbClr r="0" g="0" b="0"/>
+      </a:lnRef>
+      <a:fillRef idx="1">
+        <a:scrgbClr r="0" g="0" b="0"/>
+      </a:fillRef>
+      <a:effectRef idx="0">
+        <a:scrgbClr r="0" g="0" b="0"/>
+      </a:effectRef>
+      <a:fontRef idx="minor"/>
+    </dgm:style>
+  </dgm:styleLbl>
+  <dgm:styleLbl name="solidAlignAcc1">
+    <dgm:scene3d>
+      <a:camera prst="orthographicFront"/>
+      <a:lightRig rig="threePt" dir="t"/>
+    </dgm:scene3d>
+    <dgm:sp3d/>
+    <dgm:txPr/>
+    <dgm:style>
+      <a:lnRef idx="1">
+        <a:scrgbClr r="0" g="0" b="0"/>
+      </a:lnRef>
+      <a:fillRef idx="1">
+        <a:scrgbClr r="0" g="0" b="0"/>
+      </a:fillRef>
+      <a:effectRef idx="0">
+        <a:scrgbClr r="0" g="0" b="0"/>
+      </a:effectRef>
+      <a:fontRef idx="minor"/>
+    </dgm:style>
+  </dgm:styleLbl>
+  <dgm:styleLbl name="solidBgAcc1">
+    <dgm:scene3d>
+      <a:camera prst="orthographicFront"/>
+      <a:lightRig rig="threePt" dir="t"/>
+    </dgm:scene3d>
+    <dgm:sp3d/>
+    <dgm:txPr/>
+    <dgm:style>
+      <a:lnRef idx="1">
+        <a:scrgbClr r="0" g="0" b="0"/>
+      </a:lnRef>
+      <a:fillRef idx="1">
+        <a:scrgbClr r="0" g="0" b="0"/>
+      </a:fillRef>
+      <a:effectRef idx="0">
+        <a:scrgbClr r="0" g="0" b="0"/>
+      </a:effectRef>
+      <a:fontRef idx="minor"/>
+    </dgm:style>
+  </dgm:styleLbl>
+  <dgm:styleLbl name="fgAccFollowNode1">
+    <dgm:scene3d>
+      <a:camera prst="orthographicFront"/>
+      <a:lightRig rig="threePt" dir="t"/>
+    </dgm:scene3d>
+    <dgm:sp3d/>
+    <dgm:txPr/>
+    <dgm:style>
+      <a:lnRef idx="1">
+        <a:scrgbClr r="0" g="0" b="0"/>
+      </a:lnRef>
+      <a:fillRef idx="1">
+        <a:scrgbClr r="0" g="0" b="0"/>
+      </a:fillRef>
+      <a:effectRef idx="0">
+        <a:scrgbClr r="0" g="0" b="0"/>
+      </a:effectRef>
+      <a:fontRef idx="minor"/>
+    </dgm:style>
+  </dgm:styleLbl>
+  <dgm:styleLbl name="alignAccFollowNode1">
+    <dgm:scene3d>
+      <a:camera prst="orthographicFront"/>
+      <a:lightRig rig="threePt" dir="t"/>
+    </dgm:scene3d>
+    <dgm:sp3d/>
+    <dgm:txPr/>
+    <dgm:style>
+      <a:lnRef idx="1">
+        <a:scrgbClr r="0" g="0" b="0"/>
+      </a:lnRef>
+      <a:fillRef idx="1">
+        <a:scrgbClr r="0" g="0" b="0"/>
+      </a:fillRef>
+      <a:effectRef idx="0">
+        <a:scrgbClr r="0" g="0" b="0"/>
+      </a:effectRef>
+      <a:fontRef idx="minor"/>
+    </dgm:style>
+  </dgm:styleLbl>
+  <dgm:styleLbl name="bgAccFollowNode1">
+    <dgm:scene3d>
+      <a:camera prst="orthographicFront"/>
+      <a:lightRig rig="threePt" dir="t"/>
+    </dgm:scene3d>
+    <dgm:sp3d/>
+    <dgm:txPr/>
+    <dgm:style>
+      <a:lnRef idx="1">
+        <a:scrgbClr r="0" g="0" b="0"/>
+      </a:lnRef>
+      <a:fillRef idx="1">
+        <a:scrgbClr r="0" g="0" b="0"/>
+      </a:fillRef>
+      <a:effectRef idx="0">
+        <a:scrgbClr r="0" g="0" b="0"/>
+      </a:effectRef>
+      <a:fontRef idx="minor"/>
+    </dgm:style>
+  </dgm:styleLbl>
+  <dgm:styleLbl name="fgAcc0">
+    <dgm:scene3d>
+      <a:camera prst="orthographicFront"/>
+      <a:lightRig rig="threePt" dir="t"/>
+    </dgm:scene3d>
+    <dgm:sp3d/>
+    <dgm:txPr/>
+    <dgm:style>
+      <a:lnRef idx="1">
+        <a:scrgbClr r="0" g="0" b="0"/>
+      </a:lnRef>
+      <a:fillRef idx="1">
+        <a:scrgbClr r="0" g="0" b="0"/>
+      </a:fillRef>
+      <a:effectRef idx="0">
+        <a:scrgbClr r="0" g="0" b="0"/>
+      </a:effectRef>
+      <a:fontRef idx="minor"/>
+    </dgm:style>
+  </dgm:styleLbl>
+  <dgm:styleLbl name="fgAcc2">
+    <dgm:scene3d>
+      <a:camera prst="orthographicFront"/>
+      <a:lightRig rig="threePt" dir="t"/>
+    </dgm:scene3d>
+    <dgm:sp3d/>
+    <dgm:txPr/>
+    <dgm:style>
+      <a:lnRef idx="1">
+        <a:scrgbClr r="0" g="0" b="0"/>
+      </a:lnRef>
+      <a:fillRef idx="1">
+        <a:scrgbClr r="0" g="0" b="0"/>
+      </a:fillRef>
+      <a:effectRef idx="0">
+        <a:scrgbClr r="0" g="0" b="0"/>
+      </a:effectRef>
+      <a:fontRef idx="minor"/>
+    </dgm:style>
+  </dgm:styleLbl>
+  <dgm:styleLbl name="fgAcc3">
+    <dgm:scene3d>
+      <a:camera prst="orthographicFront"/>
+      <a:lightRig rig="threePt" dir="t"/>
+    </dgm:scene3d>
+    <dgm:sp3d/>
+    <dgm:txPr/>
+    <dgm:style>
+      <a:lnRef idx="1">
+        <a:scrgbClr r="0" g="0" b="0"/>
+      </a:lnRef>
+      <a:fillRef idx="1">
+        <a:scrgbClr r="0" g="0" b="0"/>
+      </a:fillRef>
+      <a:effectRef idx="0">
+        <a:scrgbClr r="0" g="0" b="0"/>
+      </a:effectRef>
+      <a:fontRef idx="minor"/>
+    </dgm:style>
+  </dgm:styleLbl>
+  <dgm:styleLbl name="fgAcc4">
+    <dgm:scene3d>
+      <a:camera prst="orthographicFront"/>
+      <a:lightRig rig="threePt" dir="t"/>
+    </dgm:scene3d>
+    <dgm:sp3d/>
+    <dgm:txPr/>
+    <dgm:style>
+      <a:lnRef idx="1">
+        <a:scrgbClr r="0" g="0" b="0"/>
+      </a:lnRef>
+      <a:fillRef idx="1">
+        <a:scrgbClr r="0" g="0" b="0"/>
+      </a:fillRef>
+      <a:effectRef idx="0">
+        <a:scrgbClr r="0" g="0" b="0"/>
+      </a:effectRef>
+      <a:fontRef idx="minor"/>
+    </dgm:style>
+  </dgm:styleLbl>
+  <dgm:styleLbl name="bgShp">
+    <dgm:scene3d>
+      <a:camera prst="orthographicFront"/>
+      <a:lightRig rig="threePt" dir="t"/>
+    </dgm:scene3d>
+    <dgm:sp3d/>
+    <dgm:txPr/>
+    <dgm:style>
+      <a:lnRef idx="0">
+        <a:scrgbClr r="0" g="0" b="0"/>
+      </a:lnRef>
+      <a:fillRef idx="1">
+        <a:scrgbClr r="0" g="0" b="0"/>
+      </a:fillRef>
+      <a:effectRef idx="2">
+        <a:scrgbClr r="0" g="0" b="0"/>
+      </a:effectRef>
+      <a:fontRef idx="minor"/>
+    </dgm:style>
+  </dgm:styleLbl>
+  <dgm:styleLbl name="dkBgShp">
+    <dgm:scene3d>
+      <a:camera prst="orthographicFront"/>
+      <a:lightRig rig="threePt" dir="t"/>
+    </dgm:scene3d>
+    <dgm:sp3d/>
+    <dgm:txPr/>
+    <dgm:style>
+      <a:lnRef idx="0">
+        <a:scrgbClr r="0" g="0" b="0"/>
+      </a:lnRef>
+      <a:fillRef idx="1">
+        <a:scrgbClr r="0" g="0" b="0"/>
+      </a:fillRef>
+      <a:effectRef idx="2">
+        <a:scrgbClr r="0" g="0" b="0"/>
+      </a:effectRef>
+      <a:fontRef idx="minor"/>
+    </dgm:style>
+  </dgm:styleLbl>
+  <dgm:styleLbl name="trBgShp">
+    <dgm:scene3d>
+      <a:camera prst="orthographicFront"/>
+      <a:lightRig rig="threePt" dir="t"/>
+    </dgm:scene3d>
+    <dgm:sp3d/>
+    <dgm:txPr/>
+    <dgm:style>
+      <a:lnRef idx="0">
+        <a:scrgbClr r="0" g="0" b="0"/>
+      </a:lnRef>
+      <a:fillRef idx="1">
+        <a:scrgbClr r="0" g="0" b="0"/>
+      </a:fillRef>
+      <a:effectRef idx="0">
+        <a:scrgbClr r="0" g="0" b="0"/>
+      </a:effectRef>
+      <a:fontRef idx="minor"/>
+    </dgm:style>
+  </dgm:styleLbl>
+  <dgm:styleLbl name="fgShp">
+    <dgm:scene3d>
+      <a:camera prst="orthographicFront"/>
+      <a:lightRig rig="threePt" dir="t"/>
+    </dgm:scene3d>
+    <dgm:sp3d/>
+    <dgm:txPr/>
+    <dgm:style>
+      <a:lnRef idx="0">
+        <a:scrgbClr r="0" g="0" b="0"/>
+      </a:lnRef>
+      <a:fillRef idx="3">
+        <a:scrgbClr r="0" g="0" b="0"/>
+      </a:fillRef>
+      <a:effectRef idx="2">
+        <a:scrgbClr r="0" g="0" b="0"/>
+      </a:effectRef>
+      <a:fontRef idx="minor"/>
+    </dgm:style>
+  </dgm:styleLbl>
+  <dgm:styleLbl name="revTx">
+    <dgm:scene3d>
+      <a:camera prst="orthographicFront"/>
+      <a:lightRig rig="threePt" dir="t"/>
+    </dgm:scene3d>
+    <dgm:sp3d/>
+    <dgm:txPr/>
+    <dgm:style>
+      <a:lnRef idx="0">
+        <a:scrgbClr r="0" g="0" b="0"/>
+      </a:lnRef>
+      <a:fillRef idx="0">
+        <a:scrgbClr r="0" g="0" b="0"/>
+      </a:fillRef>
+      <a:effectRef idx="0">
+        <a:scrgbClr r="0" g="0" b="0"/>
+      </a:effectRef>
+      <a:fontRef idx="minor"/>
+    </dgm:style>
+  </dgm:styleLbl>
+</dgm:styleDef>
 </file>
 
 <file path=ppt/slideLayouts/slideLayout1.xml><?xml version="1.0" encoding="utf-8"?>
@@ -622,7 +3425,11 @@
           <a:p>
             <a:r>
               <a:rPr lang="en-US" dirty="0" smtClean="0"/>
-              <a:t>Shape 1</a:t>
+              <a:t>s</a:t>
+            </a:r>
+            <a:r>
+              <a:rPr lang="en-US" dirty="0" smtClean="0"/>
+              <a:t>hapes[0]</a:t>
             </a:r>
             <a:endParaRPr lang="en-US" dirty="0"/>
           </a:p>
@@ -638,22 +3445,38 @@
             <p:ph sz="quarter" idx="10"/>
           </p:nvPr>
         </p:nvSpPr>
-        <p:spPr/>
+        <p:spPr>
+          <a:xfrm>
+            <a:off x="468313" y="1628775"/>
+            <a:ext cx="4103687" cy="1728217"/>
+          </a:xfrm>
+        </p:spPr>
         <p:txBody>
-          <a:bodyPr/>
+          <a:bodyPr>
+            <a:normAutofit/>
+          </a:bodyPr>
           <a:lstStyle/>
           <a:p>
             <a:r>
-              <a:rPr lang="en-US" dirty="0" smtClean="0"/>
-              <a:t>Shape 2</a:t>
+              <a:rPr lang="en-US" sz="2000" dirty="0" smtClean="0"/>
+              <a:t>s</a:t>
             </a:r>
+            <a:r>
+              <a:rPr lang="en-US" sz="2000" dirty="0" smtClean="0"/>
+              <a:t>hapes[1]</a:t>
+            </a:r>
+            <a:endParaRPr lang="en-US" sz="2000" dirty="0" smtClean="0"/>
           </a:p>
           <a:p>
             <a:r>
-              <a:rPr lang="en-US" dirty="0" smtClean="0"/>
-              <a:t>Picture is Shape 3</a:t>
+              <a:rPr lang="en-US" sz="2000" dirty="0" smtClean="0"/>
+              <a:t>Picture is </a:t>
             </a:r>
-            <a:endParaRPr lang="en-US" dirty="0"/>
+            <a:r>
+              <a:rPr lang="en-US" sz="2000" dirty="0" smtClean="0"/>
+              <a:t>shapes[2]</a:t>
+            </a:r>
+            <a:endParaRPr lang="en-US" sz="2000" dirty="0"/>
           </a:p>
         </p:txBody>
       </p:sp>
@@ -687,6 +3510,130 @@
           </a:prstGeom>
         </p:spPr>
       </p:pic>
+      <p:graphicFrame>
+        <p:nvGraphicFramePr>
+          <p:cNvPr id="2" name="Table 1"/>
+          <p:cNvGraphicFramePr>
+            <a:graphicFrameLocks noGrp="1"/>
+          </p:cNvGraphicFramePr>
+          <p:nvPr>
+            <p:extLst>
+              <p:ext uri="{D42A27DB-BD31-4B8C-83A1-F6EECF244321}">
+                <p14:modId xmlns:p14="http://schemas.microsoft.com/office/powerpoint/2010/main" val="483364833"/>
+              </p:ext>
+            </p:extLst>
+          </p:nvPr>
+        </p:nvGraphicFramePr>
+        <p:xfrm>
+          <a:off x="4788024" y="1916832"/>
+          <a:ext cx="3816424" cy="741680"/>
+        </p:xfrm>
+        <a:graphic>
+          <a:graphicData uri="http://schemas.openxmlformats.org/drawingml/2006/table">
+            <a:tbl>
+              <a:tblPr firstRow="1" bandRow="1">
+                <a:tableStyleId>{5C22544A-7EE6-4342-B048-85BDC9FD1C3A}</a:tableStyleId>
+              </a:tblPr>
+              <a:tblGrid>
+                <a:gridCol w="1908212"/>
+                <a:gridCol w="1908212"/>
+              </a:tblGrid>
+              <a:tr h="370840">
+                <a:tc>
+                  <a:txBody>
+                    <a:bodyPr/>
+                    <a:lstStyle/>
+                    <a:p>
+                      <a:r>
+                        <a:rPr lang="en-US" dirty="0" smtClean="0"/>
+                        <a:t>shapes[3]</a:t>
+                      </a:r>
+                      <a:endParaRPr lang="en-US" dirty="0"/>
+                    </a:p>
+                  </a:txBody>
+                  <a:tcPr/>
+                </a:tc>
+                <a:tc>
+                  <a:txBody>
+                    <a:bodyPr/>
+                    <a:lstStyle/>
+                    <a:p>
+                      <a:endParaRPr lang="en-US"/>
+                    </a:p>
+                  </a:txBody>
+                  <a:tcPr/>
+                </a:tc>
+              </a:tr>
+              <a:tr h="370840">
+                <a:tc>
+                  <a:txBody>
+                    <a:bodyPr/>
+                    <a:lstStyle/>
+                    <a:p>
+                      <a:endParaRPr lang="en-US"/>
+                    </a:p>
+                  </a:txBody>
+                  <a:tcPr/>
+                </a:tc>
+                <a:tc>
+                  <a:txBody>
+                    <a:bodyPr/>
+                    <a:lstStyle/>
+                    <a:p>
+                      <a:endParaRPr lang="en-US" dirty="0"/>
+                    </a:p>
+                  </a:txBody>
+                  <a:tcPr/>
+                </a:tc>
+              </a:tr>
+            </a:tbl>
+          </a:graphicData>
+        </a:graphic>
+      </p:graphicFrame>
+      <p:graphicFrame>
+        <p:nvGraphicFramePr>
+          <p:cNvPr id="3" name="Chart 2"/>
+          <p:cNvGraphicFramePr/>
+          <p:nvPr>
+            <p:extLst>
+              <p:ext uri="{D42A27DB-BD31-4B8C-83A1-F6EECF244321}">
+                <p14:modId xmlns:p14="http://schemas.microsoft.com/office/powerpoint/2010/main" val="547766558"/>
+              </p:ext>
+            </p:extLst>
+          </p:nvPr>
+        </p:nvGraphicFramePr>
+        <p:xfrm>
+          <a:off x="467544" y="3501008"/>
+          <a:ext cx="3816424" cy="1959992"/>
+        </p:xfrm>
+        <a:graphic>
+          <a:graphicData uri="http://schemas.openxmlformats.org/drawingml/2006/chart">
+            <c:chart xmlns:c="http://schemas.openxmlformats.org/drawingml/2006/chart" xmlns:r="http://schemas.openxmlformats.org/officeDocument/2006/relationships" r:id="rId3"/>
+          </a:graphicData>
+        </a:graphic>
+      </p:graphicFrame>
+      <p:graphicFrame>
+        <p:nvGraphicFramePr>
+          <p:cNvPr id="8" name="Diagram 7"/>
+          <p:cNvGraphicFramePr/>
+          <p:nvPr>
+            <p:extLst>
+              <p:ext uri="{D42A27DB-BD31-4B8C-83A1-F6EECF244321}">
+                <p14:modId xmlns:p14="http://schemas.microsoft.com/office/powerpoint/2010/main" val="321323770"/>
+              </p:ext>
+            </p:extLst>
+          </p:nvPr>
+        </p:nvGraphicFramePr>
+        <p:xfrm>
+          <a:off x="4788024" y="3501008"/>
+          <a:ext cx="3816424" cy="2304256"/>
+        </p:xfrm>
+        <a:graphic>
+          <a:graphicData uri="http://schemas.openxmlformats.org/drawingml/2006/diagram">
+            <dgm:relIds xmlns:dgm="http://schemas.openxmlformats.org/drawingml/2006/diagram" xmlns:r="http://schemas.openxmlformats.org/officeDocument/2006/relationships" r:dm="rId4" r:lo="rId5" r:qs="rId6" r:cs="rId7"/>
+          </a:graphicData>
+        </a:graphic>
+      </p:graphicFrame>
     </p:spTree>
     <p:extLst>
       <p:ext uri="{BB962C8B-B14F-4D97-AF65-F5344CB8AC3E}">
